--- a/ppt.pptx
+++ b/ppt.pptx
@@ -5,9 +5,10 @@
     <p:sldMasterId id="2147483648" r:id="rId1"/>
   </p:sldMasterIdLst>
   <p:sldIdLst>
-    <p:sldId id="259" r:id="rId2"/>
-    <p:sldId id="256" r:id="rId3"/>
-    <p:sldId id="257" r:id="rId4"/>
+    <p:sldId id="263" r:id="rId2"/>
+    <p:sldId id="259" r:id="rId3"/>
+    <p:sldId id="262" r:id="rId4"/>
+    <p:sldId id="256" r:id="rId5"/>
   </p:sldIdLst>
   <p:sldSz cx="12192000" cy="6858000"/>
   <p:notesSz cx="6858000" cy="9144000"/>
@@ -118,6 +119,7 @@
 <p1510:revInfo xmlns:a="http://schemas.openxmlformats.org/drawingml/2006/main" xmlns:r="http://schemas.openxmlformats.org/officeDocument/2006/relationships" xmlns:p1510="http://schemas.microsoft.com/office/powerpoint/2015/10/main">
   <p1510:revLst>
     <p1510:client id="{21EF1EF3-CEA9-9220-5D0B-417AEB5F3A47}" v="856" dt="2024-06-15T22:10:41.703"/>
+    <p1510:client id="{6EDC606A-916D-3695-CA6E-44913E07764C}" v="1927" dt="2024-06-16T07:33:12.142"/>
     <p1510:client id="{C02C69EB-AEF4-F579-76F4-7B98F009561B}" v="20" dt="2024-06-15T23:12:33.805"/>
   </p1510:revLst>
 </p1510:revInfo>
@@ -2981,10 +2983,10 @@
         </p:nvSpPr>
         <p:spPr>
           <a:xfrm>
-            <a:off x="761943" y="1112556"/>
-            <a:ext cx="10668000" cy="5432322"/>
-          </a:xfrm>
-          <a:prstGeom prst="roundRect">
+            <a:off x="861334" y="1119004"/>
+            <a:ext cx="10376630" cy="5473499"/>
+          </a:xfrm>
+          <a:prstGeom prst="rect">
             <a:avLst/>
           </a:prstGeom>
           <a:solidFill>
@@ -3008,11 +3010,16 @@
           </a:fontRef>
         </p:style>
         <p:txBody>
-          <a:bodyPr rtlCol="0" anchor="ctr"/>
+          <a:bodyPr lIns="91440" tIns="45720" rIns="91440" bIns="45720" rtlCol="0" anchor="ctr"/>
           <a:lstStyle/>
           <a:p>
             <a:pPr algn="ctr"/>
-            <a:endParaRPr lang="ko-KR" altLang="en-US"/>
+            <a:endParaRPr lang="ko-KR" altLang="en-US" dirty="0">
+              <a:solidFill>
+                <a:srgbClr val="040C28"/>
+              </a:solidFill>
+              <a:latin typeface="Apple SD Gothic Neo"/>
+            </a:endParaRPr>
           </a:p>
         </p:txBody>
       </p:sp>
@@ -3068,15 +3075,403 @@
               <a:rPr lang="ko-KR" altLang="en-US" dirty="0">
                 <a:ea typeface="맑은 고딕"/>
               </a:rPr>
-              <a:t>게임 설명</a:t>
-            </a:r>
+              <a:t>&lt;</a:t>
+            </a:r>
+            <a:r>
+              <a:rPr lang="ko-KR" altLang="en-US" dirty="0" err="1">
+                <a:ea typeface="맑은 고딕"/>
+              </a:rPr>
+              <a:t>점프킹</a:t>
+            </a:r>
+            <a:r>
+              <a:rPr lang="ko-KR" altLang="en-US" dirty="0">
+                <a:ea typeface="맑은 고딕"/>
+              </a:rPr>
+              <a:t>&gt;</a:t>
+            </a:r>
+          </a:p>
+        </p:txBody>
+      </p:sp>
+      <p:sp>
+        <p:nvSpPr>
+          <p:cNvPr id="4" name="TextBox 3">
+            <a:extLst>
+              <a:ext uri="{FF2B5EF4-FFF2-40B4-BE49-F238E27FC236}">
+                <a16:creationId xmlns:a16="http://schemas.microsoft.com/office/drawing/2014/main" id="{4ABAFC68-9A09-E2D1-AE25-8708891863E7}"/>
+              </a:ext>
+            </a:extLst>
+          </p:cNvPr>
+          <p:cNvSpPr txBox="1"/>
+          <p:nvPr/>
+        </p:nvSpPr>
+        <p:spPr>
+          <a:xfrm>
+            <a:off x="1076856" y="1713494"/>
+            <a:ext cx="5110784" cy="3693319"/>
+          </a:xfrm>
+          <a:prstGeom prst="rect">
+            <a:avLst/>
+          </a:prstGeom>
+          <a:noFill/>
+        </p:spPr>
+        <p:txBody>
+          <a:bodyPr rot="0" spcFirstLastPara="0" vertOverflow="overflow" horzOverflow="overflow" vert="horz" wrap="square" lIns="91440" tIns="45720" rIns="91440" bIns="45720" numCol="1" spcCol="0" rtlCol="0" fromWordArt="0" anchor="t" anchorCtr="0" forceAA="0" compatLnSpc="1">
+            <a:prstTxWarp prst="textNoShape">
+              <a:avLst/>
+            </a:prstTxWarp>
+            <a:spAutoFit/>
+          </a:bodyPr>
+          <a:lstStyle/>
+          <a:p>
+            <a:endParaRPr lang="ko-KR" altLang="en-US" dirty="0">
+              <a:ea typeface="맑은 고딕"/>
+            </a:endParaRPr>
+          </a:p>
+          <a:p>
+            <a:pPr marL="285750" indent="-285750">
+              <a:buFont typeface="Arial"/>
+              <a:buChar char="•"/>
+            </a:pPr>
+            <a:r>
+              <a:rPr lang="ko-KR" altLang="en-US" dirty="0">
+                <a:ea typeface="맑은 고딕"/>
+              </a:rPr>
+              <a:t>장애물을 피해 점프하며 높이 올라가는 게임</a:t>
+            </a:r>
+          </a:p>
+          <a:p>
+            <a:pPr marL="285750" indent="-285750">
+              <a:buFont typeface="Arial"/>
+              <a:buChar char="•"/>
+            </a:pPr>
+            <a:endParaRPr lang="ko-KR" altLang="en-US" dirty="0">
+              <a:latin typeface="맑은 고딕" panose="020F0502020204030204"/>
+              <a:ea typeface="맑은 고딕"/>
+            </a:endParaRPr>
+          </a:p>
+          <a:p>
+            <a:pPr marL="285750" indent="-285750">
+              <a:buFont typeface="Arial"/>
+              <a:buChar char="•"/>
+            </a:pPr>
+            <a:r>
+              <a:rPr lang="ko-KR" dirty="0" err="1">
+                <a:latin typeface="Malgun Gothic"/>
+                <a:ea typeface="Malgun Gothic"/>
+              </a:rPr>
+              <a:t>Nexile사의</a:t>
+            </a:r>
+            <a:r>
+              <a:rPr lang="ko-KR" dirty="0">
+                <a:latin typeface="Malgun Gothic"/>
+                <a:ea typeface="Malgun Gothic"/>
+              </a:rPr>
+              <a:t> </a:t>
+            </a:r>
+            <a:r>
+              <a:rPr lang="ko-KR" dirty="0" err="1">
+                <a:latin typeface="Malgun Gothic"/>
+                <a:ea typeface="Malgun Gothic"/>
+              </a:rPr>
+              <a:t>Jumpking</a:t>
+            </a:r>
+            <a:r>
+              <a:rPr lang="ko-KR" dirty="0">
+                <a:latin typeface="Malgun Gothic"/>
+                <a:ea typeface="Malgun Gothic"/>
+              </a:rPr>
+              <a:t> 참조, 변형</a:t>
+            </a:r>
+            <a:endParaRPr lang="ko-KR" altLang="en-US" dirty="0">
+              <a:ea typeface="맑은 고딕"/>
+            </a:endParaRPr>
+          </a:p>
+          <a:p>
+            <a:pPr marL="285750" indent="-285750">
+              <a:buFont typeface="Arial"/>
+              <a:buChar char="•"/>
+            </a:pPr>
+            <a:endParaRPr lang="ko-KR" altLang="en-US" dirty="0">
+              <a:ea typeface="맑은 고딕"/>
+            </a:endParaRPr>
+          </a:p>
+          <a:p>
+            <a:pPr marL="285750" indent="-285750">
+              <a:buFont typeface="Arial"/>
+              <a:buChar char="•"/>
+            </a:pPr>
+            <a:r>
+              <a:rPr lang="ko-KR" altLang="en-US" dirty="0">
+                <a:ea typeface="맑은 고딕"/>
+              </a:rPr>
+              <a:t>1</a:t>
+            </a:r>
+            <a:r>
+              <a:rPr lang="ko-KR" altLang="en-US" dirty="0">
+                <a:solidFill>
+                  <a:srgbClr val="040C28"/>
+                </a:solidFill>
+                <a:ea typeface="+mn-lt"/>
+                <a:cs typeface="+mn-lt"/>
+              </a:rPr>
+              <a:t>人</a:t>
+            </a:r>
+            <a:r>
+              <a:rPr lang="ko-KR" dirty="0">
+                <a:solidFill>
+                  <a:srgbClr val="040C28"/>
+                </a:solidFill>
+                <a:ea typeface="맑은 고딕"/>
+              </a:rPr>
+              <a:t> </a:t>
+            </a:r>
+            <a:r>
+              <a:rPr lang="ko-KR" altLang="en-US" dirty="0">
+                <a:ea typeface="맑은 고딕"/>
+              </a:rPr>
+              <a:t>플레이</a:t>
+            </a:r>
+          </a:p>
+          <a:p>
+            <a:pPr marL="285750" indent="-285750">
+              <a:buFont typeface="Arial"/>
+              <a:buChar char="•"/>
+            </a:pPr>
+            <a:endParaRPr lang="ko-KR" altLang="en-US" dirty="0">
+              <a:ea typeface="맑은 고딕"/>
+            </a:endParaRPr>
+          </a:p>
+          <a:p>
+            <a:pPr marL="285750" indent="-285750">
+              <a:buFont typeface="Arial"/>
+              <a:buChar char="•"/>
+            </a:pPr>
+            <a:r>
+              <a:rPr lang="ko-KR" altLang="en-US" dirty="0" err="1">
+                <a:ea typeface="맑은 고딕"/>
+              </a:rPr>
+              <a:t>종스크롤</a:t>
+            </a:r>
+            <a:r>
+              <a:rPr lang="ko-KR" altLang="en-US" dirty="0">
+                <a:ea typeface="맑은 고딕"/>
+              </a:rPr>
+              <a:t> 게임</a:t>
+            </a:r>
+          </a:p>
+          <a:p>
+            <a:pPr marL="285750" indent="-285750">
+              <a:buFont typeface="Arial"/>
+              <a:buChar char="•"/>
+            </a:pPr>
+            <a:endParaRPr lang="ko-KR" altLang="en-US" dirty="0">
+              <a:ea typeface="맑은 고딕"/>
+            </a:endParaRPr>
+          </a:p>
+          <a:p>
+            <a:pPr marL="285750" indent="-285750">
+              <a:buFont typeface="Arial"/>
+              <a:buChar char="•"/>
+            </a:pPr>
+            <a:r>
+              <a:rPr lang="ko-KR" altLang="en-US" dirty="0" err="1">
+                <a:ea typeface="맑은 고딕"/>
+              </a:rPr>
+              <a:t>플랫포머</a:t>
+            </a:r>
+            <a:r>
+              <a:rPr lang="ko-KR" altLang="en-US" dirty="0">
+                <a:ea typeface="맑은 고딕"/>
+              </a:rPr>
+              <a:t> 게임</a:t>
+            </a:r>
+          </a:p>
+          <a:p>
+            <a:pPr marL="285750" indent="-285750">
+              <a:buFont typeface="Arial"/>
+              <a:buChar char="•"/>
+            </a:pPr>
+            <a:endParaRPr lang="ko-KR" altLang="en-US" dirty="0">
+              <a:ea typeface="맑은 고딕"/>
+            </a:endParaRPr>
+          </a:p>
+          <a:p>
+            <a:pPr marL="285750" indent="-285750">
+              <a:buFont typeface="Arial"/>
+              <a:buChar char="•"/>
+            </a:pPr>
+            <a:r>
+              <a:rPr lang="ko-KR" altLang="en-US" dirty="0">
+                <a:ea typeface="맑은 고딕"/>
+              </a:rPr>
+              <a:t>총 3개 스테이지</a:t>
+            </a:r>
+          </a:p>
+          <a:p>
+            <a:pPr marL="285750" indent="-285750">
+              <a:buFont typeface="Arial"/>
+              <a:buChar char="•"/>
+            </a:pPr>
+            <a:endParaRPr lang="ko-KR" altLang="en-US" dirty="0">
+              <a:ea typeface="맑은 고딕"/>
+            </a:endParaRPr>
+          </a:p>
+        </p:txBody>
+      </p:sp>
+      <p:cxnSp>
+        <p:nvCxnSpPr>
+          <p:cNvPr id="2" name="직선 화살표 연결선 1">
+            <a:extLst>
+              <a:ext uri="{FF2B5EF4-FFF2-40B4-BE49-F238E27FC236}">
+                <a16:creationId xmlns:a16="http://schemas.microsoft.com/office/drawing/2014/main" id="{ED7E5D2A-8B2E-C21F-53DB-0E1EEA6615F6}"/>
+              </a:ext>
+            </a:extLst>
+          </p:cNvPr>
+          <p:cNvCxnSpPr/>
+          <p:nvPr/>
+        </p:nvCxnSpPr>
+        <p:spPr>
+          <a:xfrm>
+            <a:off x="7490849" y="1116319"/>
+            <a:ext cx="19879" cy="5474389"/>
+          </a:xfrm>
+          <a:prstGeom prst="straightConnector1">
+            <a:avLst/>
+          </a:prstGeom>
+          <a:ln>
+            <a:solidFill>
+              <a:schemeClr val="tx1"/>
+            </a:solidFill>
+          </a:ln>
+        </p:spPr>
+        <p:style>
+          <a:lnRef idx="2">
+            <a:schemeClr val="accent1"/>
+          </a:lnRef>
+          <a:fillRef idx="0">
+            <a:schemeClr val="accent1"/>
+          </a:fillRef>
+          <a:effectRef idx="1">
+            <a:schemeClr val="accent1"/>
+          </a:effectRef>
+          <a:fontRef idx="minor">
+            <a:schemeClr val="tx1"/>
+          </a:fontRef>
+        </p:style>
+      </p:cxnSp>
+      <p:pic>
+        <p:nvPicPr>
+          <p:cNvPr id="3" name="그림 2" descr="스크린샷, 나무, 디지털 합성, PC 게임이(가) 표시된 사진&#10;&#10;자동 생성된 설명">
+            <a:extLst>
+              <a:ext uri="{FF2B5EF4-FFF2-40B4-BE49-F238E27FC236}">
+                <a16:creationId xmlns:a16="http://schemas.microsoft.com/office/drawing/2014/main" id="{145554F0-E96D-DD2D-60D7-914FB0BC4F93}"/>
+              </a:ext>
+            </a:extLst>
+          </p:cNvPr>
+          <p:cNvPicPr>
+            <a:picLocks noChangeAspect="1"/>
+          </p:cNvPicPr>
+          <p:nvPr/>
+        </p:nvPicPr>
+        <p:blipFill>
+          <a:blip r:embed="rId2"/>
+          <a:stretch>
+            <a:fillRect/>
+          </a:stretch>
+        </p:blipFill>
+        <p:spPr>
+          <a:xfrm>
+            <a:off x="7818280" y="1228284"/>
+            <a:ext cx="3092135" cy="2193412"/>
+          </a:xfrm>
+          <a:prstGeom prst="rect">
+            <a:avLst/>
+          </a:prstGeom>
+        </p:spPr>
+      </p:pic>
+      <p:pic>
+        <p:nvPicPr>
+          <p:cNvPr id="5" name="그림 4" descr="스크린샷, 블루, 마조렐 블루, 일렉트릭 블루이(가) 표시된 사진&#10;&#10;자동 생성된 설명">
+            <a:extLst>
+              <a:ext uri="{FF2B5EF4-FFF2-40B4-BE49-F238E27FC236}">
+                <a16:creationId xmlns:a16="http://schemas.microsoft.com/office/drawing/2014/main" id="{CDD9D911-C266-9418-DA45-8DFDAE38D76F}"/>
+              </a:ext>
+            </a:extLst>
+          </p:cNvPr>
+          <p:cNvPicPr>
+            <a:picLocks noChangeAspect="1"/>
+          </p:cNvPicPr>
+          <p:nvPr/>
+        </p:nvPicPr>
+        <p:blipFill>
+          <a:blip r:embed="rId3"/>
+          <a:stretch>
+            <a:fillRect/>
+          </a:stretch>
+        </p:blipFill>
+        <p:spPr>
+          <a:xfrm>
+            <a:off x="7820025" y="4201886"/>
+            <a:ext cx="3131004" cy="2202997"/>
+          </a:xfrm>
+          <a:prstGeom prst="rect">
+            <a:avLst/>
+          </a:prstGeom>
+        </p:spPr>
+      </p:pic>
+      <p:sp>
+        <p:nvSpPr>
+          <p:cNvPr id="6" name="화살표: 아래쪽 5">
+            <a:extLst>
+              <a:ext uri="{FF2B5EF4-FFF2-40B4-BE49-F238E27FC236}">
+                <a16:creationId xmlns:a16="http://schemas.microsoft.com/office/drawing/2014/main" id="{D78BE62B-CB50-53CF-4F04-86D2E09AE486}"/>
+              </a:ext>
+            </a:extLst>
+          </p:cNvPr>
+          <p:cNvSpPr/>
+          <p:nvPr/>
+        </p:nvSpPr>
+        <p:spPr>
+          <a:xfrm>
+            <a:off x="9171213" y="3626304"/>
+            <a:ext cx="394607" cy="462642"/>
+          </a:xfrm>
+          <a:prstGeom prst="downArrow">
+            <a:avLst/>
+          </a:prstGeom>
+          <a:solidFill>
+            <a:schemeClr val="tx1"/>
+          </a:solidFill>
+        </p:spPr>
+        <p:style>
+          <a:lnRef idx="2">
+            <a:schemeClr val="accent1">
+              <a:shade val="15000"/>
+            </a:schemeClr>
+          </a:lnRef>
+          <a:fillRef idx="1">
+            <a:schemeClr val="accent1"/>
+          </a:fillRef>
+          <a:effectRef idx="0">
+            <a:schemeClr val="accent1"/>
+          </a:effectRef>
+          <a:fontRef idx="minor">
+            <a:schemeClr val="lt1"/>
+          </a:fontRef>
+        </p:style>
+        <p:txBody>
+          <a:bodyPr rtlCol="0" anchor="ctr"/>
+          <a:lstStyle/>
+          <a:p>
+            <a:pPr algn="ctr"/>
+            <a:endParaRPr lang="ko-KR" altLang="en-US"/>
           </a:p>
         </p:txBody>
       </p:sp>
     </p:spTree>
     <p:extLst>
       <p:ext uri="{BB962C8B-B14F-4D97-AF65-F5344CB8AC3E}">
-        <p14:creationId xmlns:p14="http://schemas.microsoft.com/office/powerpoint/2010/main" val="1187218967"/>
+        <p14:creationId xmlns:p14="http://schemas.microsoft.com/office/powerpoint/2010/main" val="3385683882"/>
       </p:ext>
     </p:extLst>
   </p:cSld>
@@ -3126,7 +3521,7 @@
         <p:spPr>
           <a:xfrm>
             <a:off x="761943" y="1112556"/>
-            <a:ext cx="10668000" cy="5432322"/>
+            <a:ext cx="10668000" cy="914752"/>
           </a:xfrm>
           <a:prstGeom prst="roundRect">
             <a:avLst/>
@@ -3162,10 +3557,10 @@
       </p:sp>
       <p:sp>
         <p:nvSpPr>
-          <p:cNvPr id="4" name="사각형: 둥근 모서리 3">
-            <a:extLst>
-              <a:ext uri="{FF2B5EF4-FFF2-40B4-BE49-F238E27FC236}">
-                <a16:creationId xmlns:a16="http://schemas.microsoft.com/office/drawing/2014/main" id="{B92E60B3-D177-7FAF-F7B5-830700715B5D}"/>
+          <p:cNvPr id="12" name="사각형: 둥근 모서리 11">
+            <a:extLst>
+              <a:ext uri="{FF2B5EF4-FFF2-40B4-BE49-F238E27FC236}">
+                <a16:creationId xmlns:a16="http://schemas.microsoft.com/office/drawing/2014/main" id="{2B988422-49C7-0492-2CD5-B58A2525C9B0}"/>
               </a:ext>
             </a:extLst>
           </p:cNvPr>
@@ -3174,109 +3569,17 @@
         </p:nvSpPr>
         <p:spPr>
           <a:xfrm>
-            <a:off x="1451160" y="2939473"/>
-            <a:ext cx="2912806" cy="491612"/>
+            <a:off x="3474158" y="454797"/>
+            <a:ext cx="5247967" cy="473177"/>
           </a:xfrm>
           <a:prstGeom prst="roundRect">
             <a:avLst/>
           </a:prstGeom>
-        </p:spPr>
-        <p:style>
-          <a:lnRef idx="0">
-            <a:schemeClr val="accent4"/>
-          </a:lnRef>
-          <a:fillRef idx="3">
-            <a:schemeClr val="accent4"/>
-          </a:fillRef>
-          <a:effectRef idx="3">
-            <a:schemeClr val="accent4"/>
-          </a:effectRef>
-          <a:fontRef idx="minor">
-            <a:schemeClr val="lt1"/>
-          </a:fontRef>
-        </p:style>
-        <p:txBody>
-          <a:bodyPr rtlCol="0" anchor="ctr"/>
-          <a:lstStyle/>
-          <a:p>
-            <a:pPr algn="ctr"/>
-            <a:r>
-              <a:rPr lang="ko-KR" altLang="en-US" b="1" dirty="0">
-                <a:ea typeface="맑은 고딕"/>
-              </a:rPr>
-              <a:t>SPACE BAR</a:t>
-            </a:r>
-          </a:p>
-        </p:txBody>
-      </p:sp>
-      <p:sp>
-        <p:nvSpPr>
-          <p:cNvPr id="5" name="사각형: 둥근 모서리 4">
-            <a:extLst>
-              <a:ext uri="{FF2B5EF4-FFF2-40B4-BE49-F238E27FC236}">
-                <a16:creationId xmlns:a16="http://schemas.microsoft.com/office/drawing/2014/main" id="{B1DE070F-A723-35E2-5076-B11CD96B76FD}"/>
-              </a:ext>
-            </a:extLst>
-          </p:cNvPr>
-          <p:cNvSpPr/>
-          <p:nvPr/>
-        </p:nvSpPr>
-        <p:spPr>
-          <a:xfrm>
-            <a:off x="3049520" y="1846479"/>
-            <a:ext cx="583790" cy="491612"/>
-          </a:xfrm>
-          <a:prstGeom prst="roundRect">
-            <a:avLst/>
-          </a:prstGeom>
-        </p:spPr>
-        <p:style>
-          <a:lnRef idx="0">
-            <a:schemeClr val="accent4"/>
-          </a:lnRef>
-          <a:fillRef idx="3">
-            <a:schemeClr val="accent4"/>
-          </a:fillRef>
-          <a:effectRef idx="3">
-            <a:schemeClr val="accent4"/>
-          </a:effectRef>
-          <a:fontRef idx="minor">
-            <a:schemeClr val="lt1"/>
-          </a:fontRef>
-        </p:style>
-        <p:txBody>
-          <a:bodyPr lIns="91440" tIns="45720" rIns="91440" bIns="45720" rtlCol="0" anchor="ctr"/>
-          <a:lstStyle/>
-          <a:p>
-            <a:pPr algn="ctr"/>
-            <a:endParaRPr lang="ko-KR" altLang="en-US">
-              <a:ea typeface="맑은 고딕"/>
-            </a:endParaRPr>
-          </a:p>
-        </p:txBody>
-      </p:sp>
-      <p:sp>
-        <p:nvSpPr>
-          <p:cNvPr id="7" name="화살표: 왼쪽 6">
-            <a:extLst>
-              <a:ext uri="{FF2B5EF4-FFF2-40B4-BE49-F238E27FC236}">
-                <a16:creationId xmlns:a16="http://schemas.microsoft.com/office/drawing/2014/main" id="{FEAACBE5-903D-56B1-9672-CE4C442AEC0D}"/>
-              </a:ext>
-            </a:extLst>
-          </p:cNvPr>
-          <p:cNvSpPr/>
-          <p:nvPr/>
-        </p:nvSpPr>
-        <p:spPr>
-          <a:xfrm>
-            <a:off x="3167127" y="1933188"/>
-            <a:ext cx="356419" cy="307258"/>
-          </a:xfrm>
-          <a:prstGeom prst="leftArrow">
-            <a:avLst/>
-          </a:prstGeom>
           <a:solidFill>
-            <a:schemeClr val="bg1"/>
+            <a:schemeClr val="tx1">
+              <a:lumMod val="50000"/>
+              <a:lumOff val="50000"/>
+            </a:schemeClr>
           </a:solidFill>
         </p:spPr>
         <p:style>
@@ -3296,66 +3599,267 @@
           </a:fontRef>
         </p:style>
         <p:txBody>
-          <a:bodyPr rtlCol="0" anchor="ctr"/>
+          <a:bodyPr lIns="91440" tIns="45720" rIns="91440" bIns="45720" rtlCol="0" anchor="ctr"/>
           <a:lstStyle/>
           <a:p>
             <a:pPr algn="ctr"/>
-            <a:endParaRPr lang="ko-KR" altLang="en-US"/>
-          </a:p>
-        </p:txBody>
-      </p:sp>
-      <p:sp>
-        <p:nvSpPr>
-          <p:cNvPr id="8" name="사각형: 둥근 모서리 7">
-            <a:extLst>
-              <a:ext uri="{FF2B5EF4-FFF2-40B4-BE49-F238E27FC236}">
-                <a16:creationId xmlns:a16="http://schemas.microsoft.com/office/drawing/2014/main" id="{58DF7B45-9977-9D2D-C093-E3D98DD08275}"/>
-              </a:ext>
-            </a:extLst>
-          </p:cNvPr>
-          <p:cNvSpPr/>
-          <p:nvPr/>
-        </p:nvSpPr>
-        <p:spPr>
-          <a:xfrm rot="10800000">
-            <a:off x="3771491" y="1839488"/>
-            <a:ext cx="583790" cy="491612"/>
-          </a:xfrm>
-          <a:prstGeom prst="roundRect">
-            <a:avLst/>
-          </a:prstGeom>
-        </p:spPr>
-        <p:style>
-          <a:lnRef idx="0">
-            <a:schemeClr val="accent4"/>
-          </a:lnRef>
-          <a:fillRef idx="3">
-            <a:schemeClr val="accent4"/>
-          </a:fillRef>
-          <a:effectRef idx="3">
-            <a:schemeClr val="accent4"/>
-          </a:effectRef>
-          <a:fontRef idx="minor">
-            <a:schemeClr val="lt1"/>
-          </a:fontRef>
-        </p:style>
-        <p:txBody>
-          <a:bodyPr lIns="91440" tIns="45720" rIns="91440" bIns="45720" rtlCol="0" anchor="ctr"/>
-          <a:lstStyle/>
-          <a:p>
-            <a:pPr algn="ctr"/>
-            <a:endParaRPr lang="ko-KR" altLang="en-US">
+            <a:r>
+              <a:rPr lang="ko-KR" altLang="en-US" dirty="0">
+                <a:ea typeface="맑은 고딕"/>
+              </a:rPr>
+              <a:t>구현한 내용</a:t>
+            </a:r>
+          </a:p>
+        </p:txBody>
+      </p:sp>
+      <p:sp>
+        <p:nvSpPr>
+          <p:cNvPr id="2" name="TextBox 1">
+            <a:extLst>
+              <a:ext uri="{FF2B5EF4-FFF2-40B4-BE49-F238E27FC236}">
+                <a16:creationId xmlns:a16="http://schemas.microsoft.com/office/drawing/2014/main" id="{24172447-04BE-2280-1233-3F27C3AF5E18}"/>
+              </a:ext>
+            </a:extLst>
+          </p:cNvPr>
+          <p:cNvSpPr txBox="1"/>
+          <p:nvPr/>
+        </p:nvSpPr>
+        <p:spPr>
+          <a:xfrm>
+            <a:off x="993321" y="836839"/>
+            <a:ext cx="5932714" cy="1754326"/>
+          </a:xfrm>
+          <a:prstGeom prst="rect">
+            <a:avLst/>
+          </a:prstGeom>
+          <a:noFill/>
+        </p:spPr>
+        <p:txBody>
+          <a:bodyPr rot="0" spcFirstLastPara="0" vertOverflow="overflow" horzOverflow="overflow" vert="horz" wrap="square" lIns="91440" tIns="45720" rIns="91440" bIns="45720" numCol="1" spcCol="0" rtlCol="0" fromWordArt="0" anchor="t" anchorCtr="0" forceAA="0" compatLnSpc="1">
+            <a:prstTxWarp prst="textNoShape">
+              <a:avLst/>
+            </a:prstTxWarp>
+            <a:spAutoFit/>
+          </a:bodyPr>
+          <a:lstStyle/>
+          <a:p>
+            <a:pPr marL="285750" indent="-285750">
+              <a:buFont typeface="Arial"/>
+              <a:buChar char="•"/>
+            </a:pPr>
+            <a:endParaRPr lang="ko-KR" altLang="en-US" dirty="0">
               <a:ea typeface="맑은 고딕"/>
             </a:endParaRPr>
           </a:p>
-        </p:txBody>
-      </p:sp>
-      <p:sp>
-        <p:nvSpPr>
-          <p:cNvPr id="9" name="화살표: 왼쪽 8">
-            <a:extLst>
-              <a:ext uri="{FF2B5EF4-FFF2-40B4-BE49-F238E27FC236}">
-                <a16:creationId xmlns:a16="http://schemas.microsoft.com/office/drawing/2014/main" id="{04F6F813-DB2F-00EB-BEB5-D85C4561D2F9}"/>
+          <a:p>
+            <a:pPr marL="285750" indent="-285750">
+              <a:buFont typeface="Arial"/>
+              <a:buChar char="•"/>
+            </a:pPr>
+            <a:endParaRPr lang="ko-KR" altLang="en-US" dirty="0">
+              <a:ea typeface="맑은 고딕"/>
+            </a:endParaRPr>
+          </a:p>
+          <a:p>
+            <a:pPr marL="285750" indent="-285750">
+              <a:buFont typeface="Arial"/>
+              <a:buChar char="•"/>
+            </a:pPr>
+            <a:r>
+              <a:rPr lang="ko-KR" altLang="en-US" dirty="0">
+                <a:ea typeface="맑은 고딕"/>
+              </a:rPr>
+              <a:t>플레이어: 주인공. 점프로 지형지물을 넘어 올라간다</a:t>
+            </a:r>
+            <a:endParaRPr lang="ko-KR" dirty="0">
+              <a:ea typeface="맑은 고딕"/>
+            </a:endParaRPr>
+          </a:p>
+          <a:p>
+            <a:pPr marL="285750" indent="-285750">
+              <a:buFont typeface="Arial"/>
+              <a:buChar char="•"/>
+            </a:pPr>
+            <a:endParaRPr lang="ko-KR" altLang="en-US" dirty="0">
+              <a:ea typeface="맑은 고딕"/>
+            </a:endParaRPr>
+          </a:p>
+          <a:p>
+            <a:pPr marL="285750" indent="-285750">
+              <a:buFont typeface="Arial"/>
+              <a:buChar char="•"/>
+            </a:pPr>
+            <a:endParaRPr lang="ko-KR" altLang="en-US" dirty="0">
+              <a:ea typeface="맑은 고딕"/>
+            </a:endParaRPr>
+          </a:p>
+          <a:p>
+            <a:pPr marL="285750" indent="-285750">
+              <a:buFont typeface="Arial"/>
+              <a:buChar char="•"/>
+            </a:pPr>
+            <a:endParaRPr lang="ko-KR" altLang="en-US" dirty="0">
+              <a:ea typeface="맑은 고딕"/>
+            </a:endParaRPr>
+          </a:p>
+        </p:txBody>
+      </p:sp>
+      <p:pic>
+        <p:nvPicPr>
+          <p:cNvPr id="5" name="그림 4">
+            <a:extLst>
+              <a:ext uri="{FF2B5EF4-FFF2-40B4-BE49-F238E27FC236}">
+                <a16:creationId xmlns:a16="http://schemas.microsoft.com/office/drawing/2014/main" id="{E5A4DE9C-2B07-BD69-7A9A-AB1013A0FD7B}"/>
+              </a:ext>
+            </a:extLst>
+          </p:cNvPr>
+          <p:cNvPicPr>
+            <a:picLocks noChangeAspect="1"/>
+          </p:cNvPicPr>
+          <p:nvPr/>
+        </p:nvPicPr>
+        <p:blipFill>
+          <a:blip r:embed="rId2"/>
+          <a:stretch>
+            <a:fillRect/>
+          </a:stretch>
+        </p:blipFill>
+        <p:spPr>
+          <a:xfrm>
+            <a:off x="8489497" y="1483859"/>
+            <a:ext cx="247650" cy="161925"/>
+          </a:xfrm>
+          <a:prstGeom prst="rect">
+            <a:avLst/>
+          </a:prstGeom>
+        </p:spPr>
+      </p:pic>
+      <p:pic>
+        <p:nvPicPr>
+          <p:cNvPr id="6" name="그림 5">
+            <a:extLst>
+              <a:ext uri="{FF2B5EF4-FFF2-40B4-BE49-F238E27FC236}">
+                <a16:creationId xmlns:a16="http://schemas.microsoft.com/office/drawing/2014/main" id="{B3CDE2EF-20B7-149C-C54E-CF96741F5565}"/>
+              </a:ext>
+            </a:extLst>
+          </p:cNvPr>
+          <p:cNvPicPr>
+            <a:picLocks noChangeAspect="1"/>
+          </p:cNvPicPr>
+          <p:nvPr/>
+        </p:nvPicPr>
+        <p:blipFill>
+          <a:blip r:embed="rId3"/>
+          <a:stretch>
+            <a:fillRect/>
+          </a:stretch>
+        </p:blipFill>
+        <p:spPr>
+          <a:xfrm>
+            <a:off x="8140474" y="1481138"/>
+            <a:ext cx="238125" cy="180975"/>
+          </a:xfrm>
+          <a:prstGeom prst="rect">
+            <a:avLst/>
+          </a:prstGeom>
+        </p:spPr>
+      </p:pic>
+      <p:pic>
+        <p:nvPicPr>
+          <p:cNvPr id="7" name="그림 6">
+            <a:extLst>
+              <a:ext uri="{FF2B5EF4-FFF2-40B4-BE49-F238E27FC236}">
+                <a16:creationId xmlns:a16="http://schemas.microsoft.com/office/drawing/2014/main" id="{6F980F32-0744-706A-2CBB-9E36877DF4DA}"/>
+              </a:ext>
+            </a:extLst>
+          </p:cNvPr>
+          <p:cNvPicPr>
+            <a:picLocks noChangeAspect="1"/>
+          </p:cNvPicPr>
+          <p:nvPr/>
+        </p:nvPicPr>
+        <p:blipFill>
+          <a:blip r:embed="rId4"/>
+          <a:stretch>
+            <a:fillRect/>
+          </a:stretch>
+        </p:blipFill>
+        <p:spPr>
+          <a:xfrm>
+            <a:off x="8856210" y="1455284"/>
+            <a:ext cx="276225" cy="219075"/>
+          </a:xfrm>
+          <a:prstGeom prst="rect">
+            <a:avLst/>
+          </a:prstGeom>
+        </p:spPr>
+      </p:pic>
+      <p:pic>
+        <p:nvPicPr>
+          <p:cNvPr id="8" name="그림 7">
+            <a:extLst>
+              <a:ext uri="{FF2B5EF4-FFF2-40B4-BE49-F238E27FC236}">
+                <a16:creationId xmlns:a16="http://schemas.microsoft.com/office/drawing/2014/main" id="{AAD9AD11-A19B-A3DD-ACD7-B637E09B60D3}"/>
+              </a:ext>
+            </a:extLst>
+          </p:cNvPr>
+          <p:cNvPicPr>
+            <a:picLocks noChangeAspect="1"/>
+          </p:cNvPicPr>
+          <p:nvPr/>
+        </p:nvPicPr>
+        <p:blipFill>
+          <a:blip r:embed="rId5"/>
+          <a:stretch>
+            <a:fillRect/>
+          </a:stretch>
+        </p:blipFill>
+        <p:spPr>
+          <a:xfrm>
+            <a:off x="9264423" y="1483178"/>
+            <a:ext cx="276225" cy="190500"/>
+          </a:xfrm>
+          <a:prstGeom prst="rect">
+            <a:avLst/>
+          </a:prstGeom>
+        </p:spPr>
+      </p:pic>
+      <p:pic>
+        <p:nvPicPr>
+          <p:cNvPr id="9" name="그림 8">
+            <a:extLst>
+              <a:ext uri="{FF2B5EF4-FFF2-40B4-BE49-F238E27FC236}">
+                <a16:creationId xmlns:a16="http://schemas.microsoft.com/office/drawing/2014/main" id="{3932DEA8-016F-10FE-0B08-3F41C3180DFD}"/>
+              </a:ext>
+            </a:extLst>
+          </p:cNvPr>
+          <p:cNvPicPr>
+            <a:picLocks noChangeAspect="1"/>
+          </p:cNvPicPr>
+          <p:nvPr/>
+        </p:nvPicPr>
+        <p:blipFill>
+          <a:blip r:embed="rId6"/>
+          <a:stretch>
+            <a:fillRect/>
+          </a:stretch>
+        </p:blipFill>
+        <p:spPr>
+          <a:xfrm>
+            <a:off x="9682163" y="1483178"/>
+            <a:ext cx="257175" cy="190500"/>
+          </a:xfrm>
+          <a:prstGeom prst="rect">
+            <a:avLst/>
+          </a:prstGeom>
+        </p:spPr>
+      </p:pic>
+      <p:sp>
+        <p:nvSpPr>
+          <p:cNvPr id="10" name="사각형: 둥근 모서리 9">
+            <a:extLst>
+              <a:ext uri="{FF2B5EF4-FFF2-40B4-BE49-F238E27FC236}">
+                <a16:creationId xmlns:a16="http://schemas.microsoft.com/office/drawing/2014/main" id="{E7049C6E-ECAA-09F0-46C1-F53A862F7637}"/>
               </a:ext>
             </a:extLst>
           </p:cNvPr>
@@ -3363,11 +3867,11 @@
           <p:nvPr/>
         </p:nvSpPr>
         <p:spPr>
-          <a:xfrm rot="10800000">
-            <a:off x="3886560" y="1933188"/>
-            <a:ext cx="356419" cy="307258"/>
-          </a:xfrm>
-          <a:prstGeom prst="leftArrow">
+          <a:xfrm>
+            <a:off x="761942" y="2241948"/>
+            <a:ext cx="10668000" cy="914752"/>
+          </a:xfrm>
+          <a:prstGeom prst="roundRect">
             <a:avLst/>
           </a:prstGeom>
           <a:solidFill>
@@ -3401,10 +3905,10 @@
       </p:sp>
       <p:sp>
         <p:nvSpPr>
-          <p:cNvPr id="10" name="TextBox 9">
-            <a:extLst>
-              <a:ext uri="{FF2B5EF4-FFF2-40B4-BE49-F238E27FC236}">
-                <a16:creationId xmlns:a16="http://schemas.microsoft.com/office/drawing/2014/main" id="{34A7DE8D-8DE1-AE87-807A-37F6DD0D07FF}"/>
+          <p:cNvPr id="11" name="TextBox 10">
+            <a:extLst>
+              <a:ext uri="{FF2B5EF4-FFF2-40B4-BE49-F238E27FC236}">
+                <a16:creationId xmlns:a16="http://schemas.microsoft.com/office/drawing/2014/main" id="{91DBA1FE-E7F4-D253-BE58-7D2666292356}"/>
               </a:ext>
             </a:extLst>
           </p:cNvPr>
@@ -3413,8 +3917,8 @@
         </p:nvSpPr>
         <p:spPr>
           <a:xfrm>
-            <a:off x="6590262" y="3003461"/>
-            <a:ext cx="2348917" cy="369332"/>
+            <a:off x="993321" y="1973035"/>
+            <a:ext cx="5932714" cy="1754326"/>
           </a:xfrm>
           <a:prstGeom prst="rect">
             <a:avLst/>
@@ -3430,28 +3934,105 @@
           </a:bodyPr>
           <a:lstStyle/>
           <a:p>
-            <a:pPr algn="l"/>
-            <a:r>
-              <a:rPr lang="ko-KR" altLang="en-US" dirty="0">
-                <a:latin typeface="ADLaM Display"/>
-                <a:ea typeface="맑은 고딕"/>
-                <a:cs typeface="ADLaM Display"/>
+            <a:pPr marL="285750" indent="-285750">
+              <a:buFont typeface="Arial"/>
+              <a:buChar char="•"/>
+            </a:pPr>
+            <a:endParaRPr lang="ko-KR" altLang="en-US" dirty="0">
+              <a:ea typeface="맑은 고딕"/>
+            </a:endParaRPr>
+          </a:p>
+          <a:p>
+            <a:pPr marL="285750" indent="-285750">
+              <a:buFont typeface="Arial"/>
+              <a:buChar char="•"/>
+            </a:pPr>
+            <a:endParaRPr lang="ko-KR" altLang="en-US" dirty="0">
+              <a:ea typeface="맑은 고딕"/>
+            </a:endParaRPr>
+          </a:p>
+          <a:p>
+            <a:pPr marL="285750" indent="-285750">
+              <a:buFont typeface="Arial"/>
+              <a:buChar char="•"/>
+            </a:pPr>
+            <a:r>
+              <a:rPr lang="ko-KR" dirty="0">
+                <a:latin typeface="Malgun Gothic"/>
+                <a:ea typeface="Malgun Gothic"/>
               </a:rPr>
-              <a:t>점프</a:t>
-            </a:r>
+              <a:t>적 오브젝트: 플레이어 움직임을 방해하는 오브젝트</a:t>
+            </a:r>
+            <a:endParaRPr lang="ko-KR" dirty="0">
+              <a:ea typeface="맑은 고딕"/>
+            </a:endParaRPr>
+          </a:p>
+          <a:p>
+            <a:pPr marL="285750" indent="-285750">
+              <a:buFont typeface="Arial"/>
+              <a:buChar char="•"/>
+            </a:pPr>
             <a:endParaRPr lang="ko-KR" altLang="en-US" dirty="0">
-              <a:latin typeface="ADLaM Display"/>
-              <a:cs typeface="ADLaM Display"/>
+              <a:latin typeface="맑은 고딕" panose="020F0502020204030204"/>
+              <a:ea typeface="맑은 고딕"/>
             </a:endParaRPr>
           </a:p>
-        </p:txBody>
-      </p:sp>
-      <p:sp>
-        <p:nvSpPr>
-          <p:cNvPr id="12" name="사각형: 둥근 모서리 11">
-            <a:extLst>
-              <a:ext uri="{FF2B5EF4-FFF2-40B4-BE49-F238E27FC236}">
-                <a16:creationId xmlns:a16="http://schemas.microsoft.com/office/drawing/2014/main" id="{2B988422-49C7-0492-2CD5-B58A2525C9B0}"/>
+          <a:p>
+            <a:pPr marL="285750" indent="-285750">
+              <a:buFont typeface="Arial"/>
+              <a:buChar char="•"/>
+            </a:pPr>
+            <a:endParaRPr lang="ko-KR" altLang="en-US" dirty="0">
+              <a:ea typeface="맑은 고딕"/>
+            </a:endParaRPr>
+          </a:p>
+          <a:p>
+            <a:pPr marL="285750" indent="-285750">
+              <a:buFont typeface="Arial"/>
+              <a:buChar char="•"/>
+            </a:pPr>
+            <a:endParaRPr lang="ko-KR" altLang="en-US" dirty="0">
+              <a:ea typeface="맑은 고딕"/>
+            </a:endParaRPr>
+          </a:p>
+        </p:txBody>
+      </p:sp>
+      <p:pic>
+        <p:nvPicPr>
+          <p:cNvPr id="14" name="그림 13" descr="원, 다채로움, 스크린샷이(가) 표시된 사진&#10;&#10;자동 생성된 설명">
+            <a:extLst>
+              <a:ext uri="{FF2B5EF4-FFF2-40B4-BE49-F238E27FC236}">
+                <a16:creationId xmlns:a16="http://schemas.microsoft.com/office/drawing/2014/main" id="{17FB0916-F7BD-0906-4785-8715D61D84CF}"/>
+              </a:ext>
+            </a:extLst>
+          </p:cNvPr>
+          <p:cNvPicPr>
+            <a:picLocks noChangeAspect="1"/>
+          </p:cNvPicPr>
+          <p:nvPr/>
+        </p:nvPicPr>
+        <p:blipFill>
+          <a:blip r:embed="rId7"/>
+          <a:stretch>
+            <a:fillRect/>
+          </a:stretch>
+        </p:blipFill>
+        <p:spPr>
+          <a:xfrm>
+            <a:off x="8191940" y="2476000"/>
+            <a:ext cx="592208" cy="451403"/>
+          </a:xfrm>
+          <a:prstGeom prst="rect">
+            <a:avLst/>
+          </a:prstGeom>
+        </p:spPr>
+      </p:pic>
+      <p:sp>
+        <p:nvSpPr>
+          <p:cNvPr id="17" name="타원 16">
+            <a:extLst>
+              <a:ext uri="{FF2B5EF4-FFF2-40B4-BE49-F238E27FC236}">
+                <a16:creationId xmlns:a16="http://schemas.microsoft.com/office/drawing/2014/main" id="{1705B715-29B8-491A-0FE2-D511BBE7E704}"/>
               </a:ext>
             </a:extLst>
           </p:cNvPr>
@@ -3460,17 +4041,14 @@
         </p:nvSpPr>
         <p:spPr>
           <a:xfrm>
-            <a:off x="3474158" y="454797"/>
-            <a:ext cx="5247967" cy="473177"/>
-          </a:xfrm>
-          <a:prstGeom prst="roundRect">
+            <a:off x="9307782" y="2588788"/>
+            <a:ext cx="230699" cy="230699"/>
+          </a:xfrm>
+          <a:prstGeom prst="ellipse">
             <a:avLst/>
           </a:prstGeom>
           <a:solidFill>
-            <a:schemeClr val="tx1">
-              <a:lumMod val="50000"/>
-              <a:lumOff val="50000"/>
-            </a:schemeClr>
+            <a:schemeClr val="bg1"/>
           </a:solidFill>
         </p:spPr>
         <p:style>
@@ -3490,25 +4068,20 @@
           </a:fontRef>
         </p:style>
         <p:txBody>
-          <a:bodyPr lIns="91440" tIns="45720" rIns="91440" bIns="45720" rtlCol="0" anchor="ctr"/>
+          <a:bodyPr rtlCol="0" anchor="ctr"/>
           <a:lstStyle/>
           <a:p>
             <a:pPr algn="ctr"/>
-            <a:r>
-              <a:rPr lang="ko-KR" altLang="en-US" dirty="0">
-                <a:ea typeface="맑은 고딕"/>
-              </a:rPr>
-              <a:t>게임 설명</a:t>
-            </a:r>
-          </a:p>
-        </p:txBody>
-      </p:sp>
-      <p:sp>
-        <p:nvSpPr>
-          <p:cNvPr id="16" name="사각형: 둥근 모서리 15">
-            <a:extLst>
-              <a:ext uri="{FF2B5EF4-FFF2-40B4-BE49-F238E27FC236}">
-                <a16:creationId xmlns:a16="http://schemas.microsoft.com/office/drawing/2014/main" id="{CDCBD27A-5F6D-CF28-50BD-25BC6ABB6424}"/>
+            <a:endParaRPr lang="ko-KR" altLang="en-US"/>
+          </a:p>
+        </p:txBody>
+      </p:sp>
+      <p:sp>
+        <p:nvSpPr>
+          <p:cNvPr id="18" name="사각형: 둥근 모서리 17">
+            <a:extLst>
+              <a:ext uri="{FF2B5EF4-FFF2-40B4-BE49-F238E27FC236}">
+                <a16:creationId xmlns:a16="http://schemas.microsoft.com/office/drawing/2014/main" id="{1303C02C-75FD-ABEF-D948-AE0B43C99763}"/>
               </a:ext>
             </a:extLst>
           </p:cNvPr>
@@ -3517,104 +4090,47 @@
         </p:nvSpPr>
         <p:spPr>
           <a:xfrm>
-            <a:off x="3779102" y="4107052"/>
-            <a:ext cx="583790" cy="491612"/>
+            <a:off x="761942" y="3425769"/>
+            <a:ext cx="10668000" cy="914752"/>
           </a:xfrm>
           <a:prstGeom prst="roundRect">
             <a:avLst/>
           </a:prstGeom>
+          <a:solidFill>
+            <a:schemeClr val="bg1"/>
+          </a:solidFill>
         </p:spPr>
         <p:style>
-          <a:lnRef idx="0">
-            <a:schemeClr val="accent4"/>
+          <a:lnRef idx="2">
+            <a:schemeClr val="accent1">
+              <a:shade val="15000"/>
+            </a:schemeClr>
           </a:lnRef>
-          <a:fillRef idx="3">
-            <a:schemeClr val="accent4"/>
+          <a:fillRef idx="1">
+            <a:schemeClr val="accent1"/>
           </a:fillRef>
-          <a:effectRef idx="3">
-            <a:schemeClr val="accent4"/>
+          <a:effectRef idx="0">
+            <a:schemeClr val="accent1"/>
           </a:effectRef>
           <a:fontRef idx="minor">
             <a:schemeClr val="lt1"/>
           </a:fontRef>
         </p:style>
         <p:txBody>
-          <a:bodyPr lIns="91440" tIns="45720" rIns="91440" bIns="45720" rtlCol="0" anchor="ctr"/>
+          <a:bodyPr rtlCol="0" anchor="ctr"/>
           <a:lstStyle/>
           <a:p>
             <a:pPr algn="ctr"/>
-            <a:r>
-              <a:rPr lang="ko-KR" altLang="en-US" sz="2400" b="1" dirty="0" err="1">
-                <a:ea typeface="맑은 고딕"/>
-              </a:rPr>
-              <a:t>S</a:t>
-            </a:r>
-            <a:r>
-              <a:rPr lang="ko-KR" altLang="en-US" sz="2400" b="1" dirty="0">
-                <a:ea typeface="맑은 고딕"/>
-              </a:rPr>
-              <a:t>​</a:t>
-            </a:r>
-            <a:endParaRPr lang="ko-KR" dirty="0" err="1"/>
-          </a:p>
-        </p:txBody>
-      </p:sp>
-      <p:sp>
-        <p:nvSpPr>
-          <p:cNvPr id="17" name="사각형: 둥근 모서리 16">
-            <a:extLst>
-              <a:ext uri="{FF2B5EF4-FFF2-40B4-BE49-F238E27FC236}">
-                <a16:creationId xmlns:a16="http://schemas.microsoft.com/office/drawing/2014/main" id="{3E5C04F0-1375-0EF8-0DEA-1F8069A003EB}"/>
-              </a:ext>
-            </a:extLst>
-          </p:cNvPr>
-          <p:cNvSpPr/>
-          <p:nvPr/>
-        </p:nvSpPr>
-        <p:spPr>
-          <a:xfrm>
-            <a:off x="3779101" y="5263188"/>
-            <a:ext cx="583790" cy="491612"/>
-          </a:xfrm>
-          <a:prstGeom prst="roundRect">
-            <a:avLst/>
-          </a:prstGeom>
-        </p:spPr>
-        <p:style>
-          <a:lnRef idx="0">
-            <a:schemeClr val="accent4"/>
-          </a:lnRef>
-          <a:fillRef idx="3">
-            <a:schemeClr val="accent4"/>
-          </a:fillRef>
-          <a:effectRef idx="3">
-            <a:schemeClr val="accent4"/>
-          </a:effectRef>
-          <a:fontRef idx="minor">
-            <a:schemeClr val="lt1"/>
-          </a:fontRef>
-        </p:style>
-        <p:txBody>
-          <a:bodyPr lIns="91440" tIns="45720" rIns="91440" bIns="45720" rtlCol="0" anchor="ctr"/>
-          <a:lstStyle/>
-          <a:p>
-            <a:pPr algn="ctr"/>
-            <a:r>
-              <a:rPr lang="ko-KR" altLang="en-US" sz="2400" b="1" dirty="0" err="1">
-                <a:ea typeface="맑은 고딕"/>
-              </a:rPr>
-              <a:t>Q</a:t>
-            </a:r>
-            <a:endParaRPr lang="ko-KR" dirty="0" err="1"/>
-          </a:p>
-        </p:txBody>
-      </p:sp>
-      <p:sp>
-        <p:nvSpPr>
-          <p:cNvPr id="18" name="TextBox 17">
-            <a:extLst>
-              <a:ext uri="{FF2B5EF4-FFF2-40B4-BE49-F238E27FC236}">
-                <a16:creationId xmlns:a16="http://schemas.microsoft.com/office/drawing/2014/main" id="{B3A4259A-2DE2-FB94-FDAC-33DA821D852B}"/>
+            <a:endParaRPr lang="ko-KR" altLang="en-US"/>
+          </a:p>
+        </p:txBody>
+      </p:sp>
+      <p:sp>
+        <p:nvSpPr>
+          <p:cNvPr id="19" name="TextBox 18">
+            <a:extLst>
+              <a:ext uri="{FF2B5EF4-FFF2-40B4-BE49-F238E27FC236}">
+                <a16:creationId xmlns:a16="http://schemas.microsoft.com/office/drawing/2014/main" id="{2EA5C6CC-3B82-07A5-2BC1-514F1984B1E6}"/>
               </a:ext>
             </a:extLst>
           </p:cNvPr>
@@ -3623,8 +4139,8 @@
         </p:nvSpPr>
         <p:spPr>
           <a:xfrm>
-            <a:off x="6590261" y="4171041"/>
-            <a:ext cx="2348917" cy="369332"/>
+            <a:off x="993321" y="3428999"/>
+            <a:ext cx="5932714" cy="1477328"/>
           </a:xfrm>
           <a:prstGeom prst="rect">
             <a:avLst/>
@@ -3640,23 +4156,167 @@
           </a:bodyPr>
           <a:lstStyle/>
           <a:p>
+            <a:pPr marL="285750" indent="-285750">
+              <a:buFont typeface="Arial"/>
+              <a:buChar char="•"/>
+            </a:pPr>
+            <a:endParaRPr lang="ko-KR" altLang="en-US" dirty="0">
+              <a:ea typeface="맑은 고딕"/>
+            </a:endParaRPr>
+          </a:p>
+          <a:p>
+            <a:pPr marL="285750" indent="-285750">
+              <a:buFont typeface="Arial,Sans-Serif"/>
+              <a:buChar char="•"/>
+            </a:pPr>
+            <a:r>
+              <a:rPr lang="ko-KR" dirty="0">
+                <a:latin typeface="Malgun Gothic"/>
+                <a:ea typeface="Malgun Gothic"/>
+              </a:rPr>
+              <a:t>아이템</a:t>
+            </a:r>
             <a:r>
               <a:rPr lang="ko-KR" altLang="en-US" dirty="0">
-                <a:latin typeface="ADLaM Display"/>
-                <a:ea typeface="맑은 고딕"/>
-                <a:cs typeface="ADLaM Display"/>
+                <a:latin typeface="Malgun Gothic"/>
+                <a:ea typeface="Malgun Gothic"/>
               </a:rPr>
-              <a:t>게임 시작</a:t>
-            </a:r>
-          </a:p>
-        </p:txBody>
-      </p:sp>
-      <p:sp>
-        <p:nvSpPr>
-          <p:cNvPr id="19" name="TextBox 18">
-            <a:extLst>
-              <a:ext uri="{FF2B5EF4-FFF2-40B4-BE49-F238E27FC236}">
-                <a16:creationId xmlns:a16="http://schemas.microsoft.com/office/drawing/2014/main" id="{E7AEF2FB-A5C9-74B3-69D4-79DBBC4D2EAD}"/>
+              <a:t> </a:t>
+            </a:r>
+            <a:r>
+              <a:rPr lang="ko-KR" dirty="0">
+                <a:latin typeface="Malgun Gothic"/>
+                <a:ea typeface="Malgun Gothic"/>
+              </a:rPr>
+              <a:t>오브젝트: </a:t>
+            </a:r>
+            <a:r>
+              <a:rPr lang="ko-KR" altLang="en-US" dirty="0">
+                <a:latin typeface="Malgun Gothic"/>
+                <a:ea typeface="Malgun Gothic"/>
+              </a:rPr>
+              <a:t>플레이를 도와주는 아이템</a:t>
+            </a:r>
+            <a:endParaRPr lang="en-US" altLang="ko-KR" dirty="0">
+              <a:latin typeface="Arial"/>
+              <a:ea typeface="Malgun Gothic"/>
+            </a:endParaRPr>
+          </a:p>
+          <a:p>
+            <a:pPr marL="285750" indent="-285750">
+              <a:buFont typeface="Arial"/>
+              <a:buChar char="•"/>
+            </a:pPr>
+            <a:endParaRPr lang="ko-KR" altLang="en-US" dirty="0">
+              <a:ea typeface="맑은 고딕"/>
+            </a:endParaRPr>
+          </a:p>
+          <a:p>
+            <a:pPr marL="285750" indent="-285750">
+              <a:buFont typeface="Arial"/>
+              <a:buChar char="•"/>
+            </a:pPr>
+            <a:endParaRPr lang="ko-KR" altLang="en-US" dirty="0">
+              <a:latin typeface="맑은 고딕" panose="020F0502020204030204"/>
+              <a:ea typeface="맑은 고딕"/>
+            </a:endParaRPr>
+          </a:p>
+          <a:p>
+            <a:pPr marL="285750" indent="-285750">
+              <a:buFont typeface="Arial"/>
+              <a:buChar char="•"/>
+            </a:pPr>
+            <a:endParaRPr lang="ko-KR" altLang="en-US" dirty="0">
+              <a:ea typeface="맑은 고딕"/>
+            </a:endParaRPr>
+          </a:p>
+        </p:txBody>
+      </p:sp>
+      <p:pic>
+        <p:nvPicPr>
+          <p:cNvPr id="21" name="그림 20">
+            <a:extLst>
+              <a:ext uri="{FF2B5EF4-FFF2-40B4-BE49-F238E27FC236}">
+                <a16:creationId xmlns:a16="http://schemas.microsoft.com/office/drawing/2014/main" id="{9FCE5B64-649C-EE0B-F87C-F34AE7D461E4}"/>
+              </a:ext>
+            </a:extLst>
+          </p:cNvPr>
+          <p:cNvPicPr>
+            <a:picLocks noChangeAspect="1"/>
+          </p:cNvPicPr>
+          <p:nvPr/>
+        </p:nvPicPr>
+        <p:blipFill>
+          <a:blip r:embed="rId8"/>
+          <a:stretch>
+            <a:fillRect/>
+          </a:stretch>
+        </p:blipFill>
+        <p:spPr>
+          <a:xfrm>
+            <a:off x="8191219" y="3528158"/>
+            <a:ext cx="593346" cy="567305"/>
+          </a:xfrm>
+          <a:prstGeom prst="rect">
+            <a:avLst/>
+          </a:prstGeom>
+        </p:spPr>
+      </p:pic>
+      <p:sp>
+        <p:nvSpPr>
+          <p:cNvPr id="23" name="사각형: 둥근 모서리 22">
+            <a:extLst>
+              <a:ext uri="{FF2B5EF4-FFF2-40B4-BE49-F238E27FC236}">
+                <a16:creationId xmlns:a16="http://schemas.microsoft.com/office/drawing/2014/main" id="{5E6863BB-637F-E6E3-FF17-F02D8D022AD1}"/>
+              </a:ext>
+            </a:extLst>
+          </p:cNvPr>
+          <p:cNvSpPr/>
+          <p:nvPr/>
+        </p:nvSpPr>
+        <p:spPr>
+          <a:xfrm>
+            <a:off x="761942" y="4527947"/>
+            <a:ext cx="10668000" cy="914752"/>
+          </a:xfrm>
+          <a:prstGeom prst="roundRect">
+            <a:avLst/>
+          </a:prstGeom>
+          <a:solidFill>
+            <a:schemeClr val="bg1"/>
+          </a:solidFill>
+        </p:spPr>
+        <p:style>
+          <a:lnRef idx="2">
+            <a:schemeClr val="accent1">
+              <a:shade val="15000"/>
+            </a:schemeClr>
+          </a:lnRef>
+          <a:fillRef idx="1">
+            <a:schemeClr val="accent1"/>
+          </a:fillRef>
+          <a:effectRef idx="0">
+            <a:schemeClr val="accent1"/>
+          </a:effectRef>
+          <a:fontRef idx="minor">
+            <a:schemeClr val="lt1"/>
+          </a:fontRef>
+        </p:style>
+        <p:txBody>
+          <a:bodyPr rtlCol="0" anchor="ctr"/>
+          <a:lstStyle/>
+          <a:p>
+            <a:pPr algn="ctr"/>
+            <a:endParaRPr lang="ko-KR" altLang="en-US"/>
+          </a:p>
+        </p:txBody>
+      </p:sp>
+      <p:sp>
+        <p:nvSpPr>
+          <p:cNvPr id="24" name="TextBox 23">
+            <a:extLst>
+              <a:ext uri="{FF2B5EF4-FFF2-40B4-BE49-F238E27FC236}">
+                <a16:creationId xmlns:a16="http://schemas.microsoft.com/office/drawing/2014/main" id="{52A0AB7B-87A3-556B-2DF1-64B56569C88F}"/>
               </a:ext>
             </a:extLst>
           </p:cNvPr>
@@ -3665,8 +4325,8 @@
         </p:nvSpPr>
         <p:spPr>
           <a:xfrm>
-            <a:off x="6590262" y="5320186"/>
-            <a:ext cx="2348917" cy="369332"/>
+            <a:off x="996043" y="4799237"/>
+            <a:ext cx="4430485" cy="369332"/>
           </a:xfrm>
           <a:prstGeom prst="rect">
             <a:avLst/>
@@ -3682,27 +4342,266 @@
           </a:bodyPr>
           <a:lstStyle/>
           <a:p>
-            <a:r>
-              <a:rPr lang="ko-KR" altLang="en-US" dirty="0">
-                <a:latin typeface="ADLaM Display"/>
+            <a:pPr marL="285750" indent="-285750">
+              <a:buFont typeface="Arial,Sans-Serif"/>
+              <a:buChar char="•"/>
+            </a:pPr>
+            <a:r>
+              <a:rPr lang="ko-KR">
+                <a:latin typeface="Arial"/>
                 <a:ea typeface="맑은 고딕"/>
-                <a:cs typeface="ADLaM Display"/>
+                <a:cs typeface="Arial"/>
               </a:rPr>
-              <a:t>게임 종료</a:t>
-            </a:r>
-            <a:endParaRPr lang="ko-KR" altLang="en-US" dirty="0">
-              <a:latin typeface="ADLaM Display"/>
-              <a:cs typeface="ADLaM Display"/>
-            </a:endParaRPr>
-          </a:p>
-        </p:txBody>
-      </p:sp>
-      <p:sp>
-        <p:nvSpPr>
-          <p:cNvPr id="2" name="TextBox 1">
-            <a:extLst>
-              <a:ext uri="{FF2B5EF4-FFF2-40B4-BE49-F238E27FC236}">
-                <a16:creationId xmlns:a16="http://schemas.microsoft.com/office/drawing/2014/main" id="{D6C5348B-61ED-DDC4-B966-D7C6B5136269}"/>
+              <a:t>지형: 플레이어가 밟고 올라가는 발판</a:t>
+            </a:r>
+            <a:r>
+              <a:rPr lang="en-US" altLang="ko-KR">
+                <a:cs typeface="Arial"/>
+              </a:rPr>
+              <a:t>​</a:t>
+            </a:r>
+          </a:p>
+        </p:txBody>
+      </p:sp>
+      <p:pic>
+        <p:nvPicPr>
+          <p:cNvPr id="28" name="그림 27">
+            <a:extLst>
+              <a:ext uri="{FF2B5EF4-FFF2-40B4-BE49-F238E27FC236}">
+                <a16:creationId xmlns:a16="http://schemas.microsoft.com/office/drawing/2014/main" id="{D34D7452-3E6D-B6A7-66EF-4BBC1704D0E2}"/>
+              </a:ext>
+            </a:extLst>
+          </p:cNvPr>
+          <p:cNvPicPr>
+            <a:picLocks noChangeAspect="1"/>
+          </p:cNvPicPr>
+          <p:nvPr/>
+        </p:nvPicPr>
+        <p:blipFill rotWithShape="1">
+          <a:blip r:embed="rId9"/>
+          <a:srcRect l="14963" t="-2835" r="79967" b="-391"/>
+          <a:stretch/>
+        </p:blipFill>
+        <p:spPr>
+          <a:xfrm>
+            <a:off x="7582367" y="4739053"/>
+            <a:ext cx="433393" cy="448006"/>
+          </a:xfrm>
+          <a:prstGeom prst="rect">
+            <a:avLst/>
+          </a:prstGeom>
+        </p:spPr>
+      </p:pic>
+      <p:pic>
+        <p:nvPicPr>
+          <p:cNvPr id="32" name="그림 31" descr="스크린샷, 별이(가) 표시된 사진&#10;&#10;자동 생성된 설명">
+            <a:extLst>
+              <a:ext uri="{FF2B5EF4-FFF2-40B4-BE49-F238E27FC236}">
+                <a16:creationId xmlns:a16="http://schemas.microsoft.com/office/drawing/2014/main" id="{ED6E2A4F-F9B5-95C1-C82F-412C6A8D5ACA}"/>
+              </a:ext>
+            </a:extLst>
+          </p:cNvPr>
+          <p:cNvPicPr>
+            <a:picLocks noChangeAspect="1"/>
+          </p:cNvPicPr>
+          <p:nvPr/>
+        </p:nvPicPr>
+        <p:blipFill rotWithShape="1">
+          <a:blip r:embed="rId10"/>
+          <a:srcRect l="38200" t="-679" r="52122" b="89813"/>
+          <a:stretch/>
+        </p:blipFill>
+        <p:spPr>
+          <a:xfrm>
+            <a:off x="8170781" y="4746598"/>
+            <a:ext cx="398248" cy="447129"/>
+          </a:xfrm>
+          <a:prstGeom prst="rect">
+            <a:avLst/>
+          </a:prstGeom>
+        </p:spPr>
+      </p:pic>
+      <p:pic>
+        <p:nvPicPr>
+          <p:cNvPr id="41" name="그림 40" descr="스크린샷, 패턴, 예술이(가) 표시된 사진&#10;&#10;자동 생성된 설명">
+            <a:extLst>
+              <a:ext uri="{FF2B5EF4-FFF2-40B4-BE49-F238E27FC236}">
+                <a16:creationId xmlns:a16="http://schemas.microsoft.com/office/drawing/2014/main" id="{8D9D0A29-10D2-354D-0B86-CE55838CA4EF}"/>
+              </a:ext>
+            </a:extLst>
+          </p:cNvPr>
+          <p:cNvPicPr>
+            <a:picLocks noChangeAspect="1"/>
+          </p:cNvPicPr>
+          <p:nvPr/>
+        </p:nvPicPr>
+        <p:blipFill>
+          <a:blip r:embed="rId11"/>
+          <a:stretch>
+            <a:fillRect/>
+          </a:stretch>
+        </p:blipFill>
+        <p:spPr>
+          <a:xfrm>
+            <a:off x="8784772" y="4801281"/>
+            <a:ext cx="412296" cy="378279"/>
+          </a:xfrm>
+          <a:prstGeom prst="rect">
+            <a:avLst/>
+          </a:prstGeom>
+        </p:spPr>
+      </p:pic>
+      <p:pic>
+        <p:nvPicPr>
+          <p:cNvPr id="42" name="그림 41" descr="스크린샷, 다채로움이(가) 표시된 사진&#10;&#10;자동 생성된 설명">
+            <a:extLst>
+              <a:ext uri="{FF2B5EF4-FFF2-40B4-BE49-F238E27FC236}">
+                <a16:creationId xmlns:a16="http://schemas.microsoft.com/office/drawing/2014/main" id="{81BD1942-0B0A-2597-2D6C-22C820A76725}"/>
+              </a:ext>
+            </a:extLst>
+          </p:cNvPr>
+          <p:cNvPicPr>
+            <a:picLocks noChangeAspect="1"/>
+          </p:cNvPicPr>
+          <p:nvPr/>
+        </p:nvPicPr>
+        <p:blipFill>
+          <a:blip r:embed="rId12"/>
+          <a:stretch>
+            <a:fillRect/>
+          </a:stretch>
+        </p:blipFill>
+        <p:spPr>
+          <a:xfrm>
+            <a:off x="9425667" y="4806043"/>
+            <a:ext cx="395968" cy="375559"/>
+          </a:xfrm>
+          <a:prstGeom prst="rect">
+            <a:avLst/>
+          </a:prstGeom>
+        </p:spPr>
+      </p:pic>
+      <p:pic>
+        <p:nvPicPr>
+          <p:cNvPr id="43" name="그림 42" descr="다채로움, 스크린샷, 디자인이(가) 표시된 사진&#10;&#10;자동 생성된 설명">
+            <a:extLst>
+              <a:ext uri="{FF2B5EF4-FFF2-40B4-BE49-F238E27FC236}">
+                <a16:creationId xmlns:a16="http://schemas.microsoft.com/office/drawing/2014/main" id="{1FD48FEE-498E-9085-6C95-5014219D23CD}"/>
+              </a:ext>
+            </a:extLst>
+          </p:cNvPr>
+          <p:cNvPicPr>
+            <a:picLocks noChangeAspect="1"/>
+          </p:cNvPicPr>
+          <p:nvPr/>
+        </p:nvPicPr>
+        <p:blipFill>
+          <a:blip r:embed="rId13"/>
+          <a:stretch>
+            <a:fillRect/>
+          </a:stretch>
+        </p:blipFill>
+        <p:spPr>
+          <a:xfrm>
+            <a:off x="10037988" y="4812847"/>
+            <a:ext cx="355147" cy="368755"/>
+          </a:xfrm>
+          <a:prstGeom prst="rect">
+            <a:avLst/>
+          </a:prstGeom>
+        </p:spPr>
+      </p:pic>
+      <p:pic>
+        <p:nvPicPr>
+          <p:cNvPr id="44" name="그림 43">
+            <a:extLst>
+              <a:ext uri="{FF2B5EF4-FFF2-40B4-BE49-F238E27FC236}">
+                <a16:creationId xmlns:a16="http://schemas.microsoft.com/office/drawing/2014/main" id="{736F7F43-1EFF-2281-4997-61E43F250FD0}"/>
+              </a:ext>
+            </a:extLst>
+          </p:cNvPr>
+          <p:cNvPicPr>
+            <a:picLocks noChangeAspect="1"/>
+          </p:cNvPicPr>
+          <p:nvPr/>
+        </p:nvPicPr>
+        <p:blipFill>
+          <a:blip r:embed="rId14"/>
+          <a:stretch>
+            <a:fillRect/>
+          </a:stretch>
+        </p:blipFill>
+        <p:spPr>
+          <a:xfrm>
+            <a:off x="6923314" y="4739370"/>
+            <a:ext cx="440871" cy="454477"/>
+          </a:xfrm>
+          <a:prstGeom prst="rect">
+            <a:avLst/>
+          </a:prstGeom>
+        </p:spPr>
+      </p:pic>
+      <p:sp>
+        <p:nvSpPr>
+          <p:cNvPr id="45" name="사각형: 둥근 모서리 44">
+            <a:extLst>
+              <a:ext uri="{FF2B5EF4-FFF2-40B4-BE49-F238E27FC236}">
+                <a16:creationId xmlns:a16="http://schemas.microsoft.com/office/drawing/2014/main" id="{AB3C505D-5E86-CF23-370C-B0E73806D220}"/>
+              </a:ext>
+            </a:extLst>
+          </p:cNvPr>
+          <p:cNvSpPr/>
+          <p:nvPr/>
+        </p:nvSpPr>
+        <p:spPr>
+          <a:xfrm>
+            <a:off x="761942" y="5718572"/>
+            <a:ext cx="10668000" cy="914752"/>
+          </a:xfrm>
+          <a:prstGeom prst="roundRect">
+            <a:avLst/>
+          </a:prstGeom>
+          <a:solidFill>
+            <a:schemeClr val="bg1"/>
+          </a:solidFill>
+        </p:spPr>
+        <p:style>
+          <a:lnRef idx="2">
+            <a:schemeClr val="accent1">
+              <a:shade val="15000"/>
+            </a:schemeClr>
+          </a:lnRef>
+          <a:fillRef idx="1">
+            <a:schemeClr val="accent1"/>
+          </a:fillRef>
+          <a:effectRef idx="0">
+            <a:schemeClr val="accent1"/>
+          </a:effectRef>
+          <a:fontRef idx="minor">
+            <a:schemeClr val="lt1"/>
+          </a:fontRef>
+        </p:style>
+        <p:txBody>
+          <a:bodyPr rtlCol="0" anchor="ctr"/>
+          <a:lstStyle/>
+          <a:p>
+            <a:pPr algn="ctr"/>
+            <a:r>
+              <a:rPr lang="ko-KR" sz="1800" baseline="0">
+                <a:ea typeface="맑은 고딕"/>
+              </a:rPr>
+              <a:t>엔딩: 3스테이지 클리어하면 끝</a:t>
+            </a:r>
+            <a:endParaRPr lang="ko-KR" altLang="en-US"/>
+          </a:p>
+        </p:txBody>
+      </p:sp>
+      <p:sp>
+        <p:nvSpPr>
+          <p:cNvPr id="46" name="TextBox 45">
+            <a:extLst>
+              <a:ext uri="{FF2B5EF4-FFF2-40B4-BE49-F238E27FC236}">
+                <a16:creationId xmlns:a16="http://schemas.microsoft.com/office/drawing/2014/main" id="{19BE3312-CE86-3B6F-FFB0-71842032D254}"/>
               </a:ext>
             </a:extLst>
           </p:cNvPr>
@@ -3711,8 +4610,8 @@
         </p:nvSpPr>
         <p:spPr>
           <a:xfrm>
-            <a:off x="6590262" y="1912892"/>
-            <a:ext cx="2348917" cy="369332"/>
+            <a:off x="996042" y="5989861"/>
+            <a:ext cx="5097235" cy="369332"/>
           </a:xfrm>
           <a:prstGeom prst="rect">
             <a:avLst/>
@@ -3728,26 +4627,400 @@
           </a:bodyPr>
           <a:lstStyle/>
           <a:p>
+            <a:pPr marL="285750" indent="-285750">
+              <a:buFont typeface="Arial,Sans-Serif"/>
+              <a:buChar char="•"/>
+            </a:pPr>
+            <a:r>
+              <a:rPr lang="en-US" altLang="ko-KR" dirty="0">
+                <a:ea typeface="맑은 고딕"/>
+                <a:cs typeface="Arial"/>
+              </a:rPr>
+              <a:t>​</a:t>
+            </a:r>
+            <a:r>
+              <a:rPr lang="ko-KR" altLang="en-US" dirty="0">
+                <a:latin typeface="Malgun Gothic"/>
+                <a:ea typeface="Malgun Gothic"/>
+                <a:cs typeface="Arial"/>
+              </a:rPr>
+              <a:t>엔딩</a:t>
+            </a:r>
+            <a:r>
+              <a:rPr lang="en-US" altLang="ko-KR" dirty="0">
+                <a:latin typeface="Malgun Gothic"/>
+                <a:ea typeface="Malgun Gothic"/>
+                <a:cs typeface="Arial"/>
+              </a:rPr>
+              <a:t>:</a:t>
+            </a:r>
+            <a:r>
+              <a:rPr lang="ko-KR" altLang="en-US" dirty="0">
+                <a:latin typeface="Malgun Gothic"/>
+                <a:ea typeface="Malgun Gothic"/>
+                <a:cs typeface="Arial"/>
+              </a:rPr>
+              <a:t> </a:t>
+            </a:r>
+            <a:r>
+              <a:rPr lang="en-US" altLang="ko-KR" dirty="0">
+                <a:latin typeface="Malgun Gothic"/>
+                <a:ea typeface="Malgun Gothic"/>
+                <a:cs typeface="Arial"/>
+              </a:rPr>
+              <a:t>3</a:t>
+            </a:r>
+            <a:r>
+              <a:rPr lang="ko-KR" altLang="en-US" dirty="0">
+                <a:latin typeface="Malgun Gothic"/>
+                <a:ea typeface="Malgun Gothic"/>
+                <a:cs typeface="Arial"/>
+              </a:rPr>
+              <a:t>스테이지 클리어하면 게임 클리어</a:t>
+            </a:r>
+            <a:endParaRPr lang="en-US" altLang="ko-KR" dirty="0">
+              <a:ea typeface="맑은 고딕"/>
+              <a:cs typeface="Arial"/>
+            </a:endParaRPr>
+          </a:p>
+        </p:txBody>
+      </p:sp>
+      <p:pic>
+        <p:nvPicPr>
+          <p:cNvPr id="48" name="그림 47">
+            <a:extLst>
+              <a:ext uri="{FF2B5EF4-FFF2-40B4-BE49-F238E27FC236}">
+                <a16:creationId xmlns:a16="http://schemas.microsoft.com/office/drawing/2014/main" id="{A8EE2D5F-7B40-23F2-3A20-1A932475B3EA}"/>
+              </a:ext>
+            </a:extLst>
+          </p:cNvPr>
+          <p:cNvPicPr>
+            <a:picLocks noChangeAspect="1"/>
+          </p:cNvPicPr>
+          <p:nvPr/>
+        </p:nvPicPr>
+        <p:blipFill>
+          <a:blip r:embed="rId15"/>
+          <a:stretch>
+            <a:fillRect/>
+          </a:stretch>
+        </p:blipFill>
+        <p:spPr>
+          <a:xfrm>
+            <a:off x="6930799" y="6082393"/>
+            <a:ext cx="276225" cy="190500"/>
+          </a:xfrm>
+          <a:prstGeom prst="rect">
+            <a:avLst/>
+          </a:prstGeom>
+        </p:spPr>
+      </p:pic>
+      <p:pic>
+        <p:nvPicPr>
+          <p:cNvPr id="50" name="그림 49" descr="그래픽이(가) 표시된 사진&#10;&#10;자동 생성된 설명">
+            <a:extLst>
+              <a:ext uri="{FF2B5EF4-FFF2-40B4-BE49-F238E27FC236}">
+                <a16:creationId xmlns:a16="http://schemas.microsoft.com/office/drawing/2014/main" id="{C873D646-AC2B-16BC-C591-CC8400A5C218}"/>
+              </a:ext>
+            </a:extLst>
+          </p:cNvPr>
+          <p:cNvPicPr>
+            <a:picLocks noChangeAspect="1"/>
+          </p:cNvPicPr>
+          <p:nvPr/>
+        </p:nvPicPr>
+        <p:blipFill>
+          <a:blip r:embed="rId16"/>
+          <a:stretch>
+            <a:fillRect/>
+          </a:stretch>
+        </p:blipFill>
+        <p:spPr>
+          <a:xfrm>
+            <a:off x="7951065" y="5907748"/>
+            <a:ext cx="588103" cy="581112"/>
+          </a:xfrm>
+          <a:prstGeom prst="rect">
+            <a:avLst/>
+          </a:prstGeom>
+        </p:spPr>
+      </p:pic>
+      <p:sp>
+        <p:nvSpPr>
+          <p:cNvPr id="53" name="화살표: 오른쪽 52">
+            <a:extLst>
+              <a:ext uri="{FF2B5EF4-FFF2-40B4-BE49-F238E27FC236}">
+                <a16:creationId xmlns:a16="http://schemas.microsoft.com/office/drawing/2014/main" id="{B799223F-1638-0201-429D-A6D383E48BFC}"/>
+              </a:ext>
+            </a:extLst>
+          </p:cNvPr>
+          <p:cNvSpPr/>
+          <p:nvPr/>
+        </p:nvSpPr>
+        <p:spPr>
+          <a:xfrm>
+            <a:off x="7443107" y="6068785"/>
+            <a:ext cx="387803" cy="217714"/>
+          </a:xfrm>
+          <a:prstGeom prst="rightArrow">
+            <a:avLst/>
+          </a:prstGeom>
+          <a:solidFill>
+            <a:schemeClr val="tx1"/>
+          </a:solidFill>
+        </p:spPr>
+        <p:style>
+          <a:lnRef idx="2">
+            <a:schemeClr val="accent1">
+              <a:shade val="15000"/>
+            </a:schemeClr>
+          </a:lnRef>
+          <a:fillRef idx="1">
+            <a:schemeClr val="accent1"/>
+          </a:fillRef>
+          <a:effectRef idx="0">
+            <a:schemeClr val="accent1"/>
+          </a:effectRef>
+          <a:fontRef idx="minor">
+            <a:schemeClr val="lt1"/>
+          </a:fontRef>
+        </p:style>
+        <p:txBody>
+          <a:bodyPr rtlCol="0" anchor="ctr"/>
+          <a:lstStyle/>
+          <a:p>
+            <a:pPr algn="ctr"/>
+            <a:endParaRPr lang="ko-KR" altLang="en-US"/>
+          </a:p>
+        </p:txBody>
+      </p:sp>
+      <p:sp>
+        <p:nvSpPr>
+          <p:cNvPr id="55" name="같음 기호 54">
+            <a:extLst>
+              <a:ext uri="{FF2B5EF4-FFF2-40B4-BE49-F238E27FC236}">
+                <a16:creationId xmlns:a16="http://schemas.microsoft.com/office/drawing/2014/main" id="{4D7E6757-69AD-FDA5-A9D2-4DB88982B94B}"/>
+              </a:ext>
+            </a:extLst>
+          </p:cNvPr>
+          <p:cNvSpPr/>
+          <p:nvPr/>
+        </p:nvSpPr>
+        <p:spPr>
+          <a:xfrm>
+            <a:off x="9742715" y="5987142"/>
+            <a:ext cx="401410" cy="360589"/>
+          </a:xfrm>
+          <a:prstGeom prst="mathEqual">
+            <a:avLst/>
+          </a:prstGeom>
+          <a:solidFill>
+            <a:schemeClr val="tx1"/>
+          </a:solidFill>
+        </p:spPr>
+        <p:style>
+          <a:lnRef idx="2">
+            <a:schemeClr val="accent1">
+              <a:shade val="15000"/>
+            </a:schemeClr>
+          </a:lnRef>
+          <a:fillRef idx="1">
+            <a:schemeClr val="accent1"/>
+          </a:fillRef>
+          <a:effectRef idx="0">
+            <a:schemeClr val="accent1"/>
+          </a:effectRef>
+          <a:fontRef idx="minor">
+            <a:schemeClr val="lt1"/>
+          </a:fontRef>
+        </p:style>
+        <p:txBody>
+          <a:bodyPr rtlCol="0" anchor="ctr"/>
+          <a:lstStyle/>
+          <a:p>
+            <a:pPr algn="ctr"/>
+            <a:endParaRPr lang="ko-KR" altLang="en-US">
+              <a:solidFill>
+                <a:schemeClr val="tx1"/>
+              </a:solidFill>
+            </a:endParaRPr>
+          </a:p>
+        </p:txBody>
+      </p:sp>
+      <p:pic>
+        <p:nvPicPr>
+          <p:cNvPr id="56" name="그림 55" descr="클립아트, 만화 영화, 이모티콘, 스마일리이(가) 표시된 사진&#10;&#10;자동 생성된 설명">
+            <a:extLst>
+              <a:ext uri="{FF2B5EF4-FFF2-40B4-BE49-F238E27FC236}">
+                <a16:creationId xmlns:a16="http://schemas.microsoft.com/office/drawing/2014/main" id="{EE360E32-F38F-3FE5-ABE6-DBA2B64D7DF9}"/>
+              </a:ext>
+            </a:extLst>
+          </p:cNvPr>
+          <p:cNvPicPr>
+            <a:picLocks noChangeAspect="1"/>
+          </p:cNvPicPr>
+          <p:nvPr/>
+        </p:nvPicPr>
+        <p:blipFill>
+          <a:blip r:embed="rId17"/>
+          <a:stretch>
+            <a:fillRect/>
+          </a:stretch>
+        </p:blipFill>
+        <p:spPr>
+          <a:xfrm>
+            <a:off x="10395857" y="5835423"/>
+            <a:ext cx="612322" cy="664029"/>
+          </a:xfrm>
+          <a:prstGeom prst="rect">
+            <a:avLst/>
+          </a:prstGeom>
+        </p:spPr>
+      </p:pic>
+      <p:sp>
+        <p:nvSpPr>
+          <p:cNvPr id="57" name="양쪽 대괄호 56">
+            <a:extLst>
+              <a:ext uri="{FF2B5EF4-FFF2-40B4-BE49-F238E27FC236}">
+                <a16:creationId xmlns:a16="http://schemas.microsoft.com/office/drawing/2014/main" id="{229B7E3F-DD6C-CB78-357D-14E79A8BCAE6}"/>
+              </a:ext>
+            </a:extLst>
+          </p:cNvPr>
+          <p:cNvSpPr/>
+          <p:nvPr/>
+        </p:nvSpPr>
+        <p:spPr>
+          <a:xfrm>
+            <a:off x="6625318" y="5924549"/>
+            <a:ext cx="2077811" cy="553811"/>
+          </a:xfrm>
+          <a:prstGeom prst="bracketPair">
+            <a:avLst/>
+          </a:prstGeom>
+          <a:ln>
+            <a:solidFill>
+              <a:schemeClr val="tx1"/>
+            </a:solidFill>
+          </a:ln>
+        </p:spPr>
+        <p:style>
+          <a:lnRef idx="2">
+            <a:schemeClr val="accent1"/>
+          </a:lnRef>
+          <a:fillRef idx="0">
+            <a:schemeClr val="accent1"/>
+          </a:fillRef>
+          <a:effectRef idx="1">
+            <a:schemeClr val="accent1"/>
+          </a:effectRef>
+          <a:fontRef idx="minor">
+            <a:schemeClr val="tx1"/>
+          </a:fontRef>
+        </p:style>
+        <p:txBody>
+          <a:bodyPr rtlCol="0" anchor="ctr"/>
+          <a:lstStyle/>
+          <a:p>
+            <a:pPr algn="ctr"/>
+            <a:endParaRPr lang="ko-KR" altLang="en-US"/>
+          </a:p>
+        </p:txBody>
+      </p:sp>
+      <p:sp>
+        <p:nvSpPr>
+          <p:cNvPr id="58" name="곱하기 기호 57">
+            <a:extLst>
+              <a:ext uri="{FF2B5EF4-FFF2-40B4-BE49-F238E27FC236}">
+                <a16:creationId xmlns:a16="http://schemas.microsoft.com/office/drawing/2014/main" id="{07B7C2A1-5030-5148-970F-2F93EF8C126D}"/>
+              </a:ext>
+            </a:extLst>
+          </p:cNvPr>
+          <p:cNvSpPr/>
+          <p:nvPr/>
+        </p:nvSpPr>
+        <p:spPr>
+          <a:xfrm>
+            <a:off x="8783410" y="5939517"/>
+            <a:ext cx="421821" cy="469446"/>
+          </a:xfrm>
+          <a:prstGeom prst="mathMultiply">
+            <a:avLst/>
+          </a:prstGeom>
+          <a:solidFill>
+            <a:schemeClr val="tx1"/>
+          </a:solidFill>
+        </p:spPr>
+        <p:style>
+          <a:lnRef idx="2">
+            <a:schemeClr val="accent1">
+              <a:shade val="15000"/>
+            </a:schemeClr>
+          </a:lnRef>
+          <a:fillRef idx="1">
+            <a:schemeClr val="accent1"/>
+          </a:fillRef>
+          <a:effectRef idx="0">
+            <a:schemeClr val="accent1"/>
+          </a:effectRef>
+          <a:fontRef idx="minor">
+            <a:schemeClr val="lt1"/>
+          </a:fontRef>
+        </p:style>
+        <p:txBody>
+          <a:bodyPr rtlCol="0" anchor="ctr"/>
+          <a:lstStyle/>
+          <a:p>
+            <a:pPr algn="ctr"/>
+            <a:endParaRPr lang="ko-KR" altLang="en-US"/>
+          </a:p>
+        </p:txBody>
+      </p:sp>
+      <p:sp>
+        <p:nvSpPr>
+          <p:cNvPr id="59" name="TextBox 58">
+            <a:extLst>
+              <a:ext uri="{FF2B5EF4-FFF2-40B4-BE49-F238E27FC236}">
+                <a16:creationId xmlns:a16="http://schemas.microsoft.com/office/drawing/2014/main" id="{412F36B4-A3F9-4C36-03A9-841BED583780}"/>
+              </a:ext>
+            </a:extLst>
+          </p:cNvPr>
+          <p:cNvSpPr txBox="1"/>
+          <p:nvPr/>
+        </p:nvSpPr>
+        <p:spPr>
+          <a:xfrm>
+            <a:off x="9266463" y="5925909"/>
+            <a:ext cx="415018" cy="584775"/>
+          </a:xfrm>
+          <a:prstGeom prst="rect">
+            <a:avLst/>
+          </a:prstGeom>
+          <a:noFill/>
+        </p:spPr>
+        <p:txBody>
+          <a:bodyPr rot="0" spcFirstLastPara="0" vertOverflow="overflow" horzOverflow="overflow" vert="horz" wrap="square" lIns="91440" tIns="45720" rIns="91440" bIns="45720" numCol="1" spcCol="0" rtlCol="0" fromWordArt="0" anchor="t" anchorCtr="0" forceAA="0" compatLnSpc="1">
+            <a:prstTxWarp prst="textNoShape">
+              <a:avLst/>
+            </a:prstTxWarp>
+            <a:spAutoFit/>
+          </a:bodyPr>
+          <a:lstStyle/>
+          <a:p>
             <a:pPr algn="l"/>
             <a:r>
-              <a:rPr lang="ko-KR" altLang="en-US" dirty="0">
-                <a:latin typeface="ADLaM Display"/>
+              <a:rPr lang="ko-KR" altLang="en-US" sz="3200" b="1">
                 <a:ea typeface="맑은 고딕"/>
-                <a:cs typeface="ADLaM Display"/>
               </a:rPr>
-              <a:t>이동</a:t>
-            </a:r>
-            <a:endParaRPr lang="ko-KR" altLang="en-US" dirty="0">
-              <a:latin typeface="ADLaM Display"/>
-              <a:cs typeface="ADLaM Display"/>
-            </a:endParaRPr>
+              <a:t>3</a:t>
+            </a:r>
+            <a:endParaRPr lang="ko-KR" sz="3200" b="1"/>
           </a:p>
         </p:txBody>
       </p:sp>
     </p:spTree>
     <p:extLst>
       <p:ext uri="{BB962C8B-B14F-4D97-AF65-F5344CB8AC3E}">
-        <p14:creationId xmlns:p14="http://schemas.microsoft.com/office/powerpoint/2010/main" val="3569210928"/>
+        <p14:creationId xmlns:p14="http://schemas.microsoft.com/office/powerpoint/2010/main" val="1187218967"/>
       </p:ext>
     </p:extLst>
   </p:cSld>
@@ -3784,10 +5057,10 @@
       </p:grpSpPr>
       <p:sp>
         <p:nvSpPr>
-          <p:cNvPr id="13" name="사각형: 둥근 모서리 12">
-            <a:extLst>
-              <a:ext uri="{FF2B5EF4-FFF2-40B4-BE49-F238E27FC236}">
-                <a16:creationId xmlns:a16="http://schemas.microsoft.com/office/drawing/2014/main" id="{ABF4FEDC-35FD-D671-4354-B021CCF35309}"/>
+          <p:cNvPr id="15" name="사각형: 둥근 모서리 14">
+            <a:extLst>
+              <a:ext uri="{FF2B5EF4-FFF2-40B4-BE49-F238E27FC236}">
+                <a16:creationId xmlns:a16="http://schemas.microsoft.com/office/drawing/2014/main" id="{C35E2A33-57D7-8818-528B-4824317197CD}"/>
               </a:ext>
             </a:extLst>
           </p:cNvPr>
@@ -3796,8 +5069,8 @@
         </p:nvSpPr>
         <p:spPr>
           <a:xfrm>
-            <a:off x="761943" y="1098575"/>
-            <a:ext cx="10668000" cy="5432322"/>
+            <a:off x="292497" y="1139770"/>
+            <a:ext cx="11613695" cy="5377893"/>
           </a:xfrm>
           <a:prstGeom prst="roundRect">
             <a:avLst/>
@@ -3831,259 +5104,12 @@
           </a:p>
         </p:txBody>
       </p:sp>
-      <p:pic>
-        <p:nvPicPr>
-          <p:cNvPr id="4" name="그림 3">
-            <a:extLst>
-              <a:ext uri="{FF2B5EF4-FFF2-40B4-BE49-F238E27FC236}">
-                <a16:creationId xmlns:a16="http://schemas.microsoft.com/office/drawing/2014/main" id="{09A2637F-37B2-ADC9-60E9-78043979E157}"/>
-              </a:ext>
-            </a:extLst>
-          </p:cNvPr>
-          <p:cNvPicPr>
-            <a:picLocks noChangeAspect="1"/>
-          </p:cNvPicPr>
-          <p:nvPr/>
-        </p:nvPicPr>
-        <p:blipFill rotWithShape="1">
-          <a:blip r:embed="rId2"/>
-          <a:srcRect l="10206" r="84862" b="-2325"/>
-          <a:stretch/>
-        </p:blipFill>
-        <p:spPr>
-          <a:xfrm>
-            <a:off x="1649836" y="1690866"/>
-            <a:ext cx="405080" cy="453228"/>
-          </a:xfrm>
-          <a:prstGeom prst="rect">
-            <a:avLst/>
-          </a:prstGeom>
-        </p:spPr>
-      </p:pic>
-      <p:pic>
-        <p:nvPicPr>
-          <p:cNvPr id="5" name="그림 4">
-            <a:extLst>
-              <a:ext uri="{FF2B5EF4-FFF2-40B4-BE49-F238E27FC236}">
-                <a16:creationId xmlns:a16="http://schemas.microsoft.com/office/drawing/2014/main" id="{7E76B967-2D0C-4664-1AA4-B81DE0BAF36C}"/>
-              </a:ext>
-            </a:extLst>
-          </p:cNvPr>
-          <p:cNvPicPr>
-            <a:picLocks noChangeAspect="1"/>
-          </p:cNvPicPr>
-          <p:nvPr/>
-        </p:nvPicPr>
-        <p:blipFill rotWithShape="1">
-          <a:blip r:embed="rId2"/>
-          <a:srcRect l="14963" t="-2835" r="79967" b="-391"/>
-          <a:stretch/>
-        </p:blipFill>
-        <p:spPr>
-          <a:xfrm>
-            <a:off x="2915117" y="1697857"/>
-            <a:ext cx="433393" cy="448006"/>
-          </a:xfrm>
-          <a:prstGeom prst="rect">
-            <a:avLst/>
-          </a:prstGeom>
-        </p:spPr>
-      </p:pic>
-      <p:pic>
-        <p:nvPicPr>
-          <p:cNvPr id="6" name="그림 5" descr="스크린샷, 별이(가) 표시된 사진&#10;&#10;자동 생성된 설명">
-            <a:extLst>
-              <a:ext uri="{FF2B5EF4-FFF2-40B4-BE49-F238E27FC236}">
-                <a16:creationId xmlns:a16="http://schemas.microsoft.com/office/drawing/2014/main" id="{5D3EFAF8-7399-F724-3EBF-41E882956197}"/>
-              </a:ext>
-            </a:extLst>
-          </p:cNvPr>
-          <p:cNvPicPr>
-            <a:picLocks noChangeAspect="1"/>
-          </p:cNvPicPr>
-          <p:nvPr/>
-        </p:nvPicPr>
-        <p:blipFill rotWithShape="1">
-          <a:blip r:embed="rId3"/>
-          <a:srcRect l="29159" t="-546" r="61791" b="89634"/>
-          <a:stretch/>
-        </p:blipFill>
-        <p:spPr>
-          <a:xfrm>
-            <a:off x="2268580" y="1691420"/>
-            <a:ext cx="372421" cy="449060"/>
-          </a:xfrm>
-          <a:prstGeom prst="rect">
-            <a:avLst/>
-          </a:prstGeom>
-        </p:spPr>
-      </p:pic>
-      <p:pic>
-        <p:nvPicPr>
-          <p:cNvPr id="7" name="그림 6" descr="스크린샷, 별이(가) 표시된 사진&#10;&#10;자동 생성된 설명">
-            <a:extLst>
-              <a:ext uri="{FF2B5EF4-FFF2-40B4-BE49-F238E27FC236}">
-                <a16:creationId xmlns:a16="http://schemas.microsoft.com/office/drawing/2014/main" id="{D58BDB08-CEF7-F11B-50FC-D84216493A90}"/>
-              </a:ext>
-            </a:extLst>
-          </p:cNvPr>
-          <p:cNvPicPr>
-            <a:picLocks noChangeAspect="1"/>
-          </p:cNvPicPr>
-          <p:nvPr/>
-        </p:nvPicPr>
-        <p:blipFill rotWithShape="1">
-          <a:blip r:embed="rId3"/>
-          <a:srcRect l="38200" t="-679" r="52122" b="89813"/>
-          <a:stretch/>
-        </p:blipFill>
-        <p:spPr>
-          <a:xfrm>
-            <a:off x="3503531" y="1705402"/>
-            <a:ext cx="398248" cy="447129"/>
-          </a:xfrm>
-          <a:prstGeom prst="rect">
-            <a:avLst/>
-          </a:prstGeom>
-        </p:spPr>
-      </p:pic>
-      <p:sp>
-        <p:nvSpPr>
-          <p:cNvPr id="17" name="TextBox 16">
-            <a:extLst>
-              <a:ext uri="{FF2B5EF4-FFF2-40B4-BE49-F238E27FC236}">
-                <a16:creationId xmlns:a16="http://schemas.microsoft.com/office/drawing/2014/main" id="{D0856DEE-EDF4-7252-B9E3-076D496A08B5}"/>
-              </a:ext>
-            </a:extLst>
-          </p:cNvPr>
-          <p:cNvSpPr txBox="1"/>
-          <p:nvPr/>
-        </p:nvSpPr>
-        <p:spPr>
-          <a:xfrm>
-            <a:off x="6990823" y="1705762"/>
-            <a:ext cx="2838275" cy="369332"/>
-          </a:xfrm>
-          <a:prstGeom prst="rect">
-            <a:avLst/>
-          </a:prstGeom>
-          <a:noFill/>
-        </p:spPr>
-        <p:txBody>
-          <a:bodyPr rot="0" spcFirstLastPara="0" vertOverflow="overflow" horzOverflow="overflow" vert="horz" wrap="square" lIns="91440" tIns="45720" rIns="91440" bIns="45720" numCol="1" spcCol="0" rtlCol="0" fromWordArt="0" anchor="t" anchorCtr="0" forceAA="0" compatLnSpc="1">
-            <a:prstTxWarp prst="textNoShape">
-              <a:avLst/>
-            </a:prstTxWarp>
-            <a:spAutoFit/>
-          </a:bodyPr>
-          <a:lstStyle/>
-          <a:p>
-            <a:r>
-              <a:rPr lang="ko-KR" altLang="en-US" dirty="0">
-                <a:ea typeface="맑은 고딕"/>
-              </a:rPr>
-              <a:t>밟으면 미끄러집니다</a:t>
-            </a:r>
-            <a:endParaRPr lang="ko-KR" altLang="en-US" dirty="0"/>
-          </a:p>
-        </p:txBody>
-      </p:sp>
-      <p:pic>
-        <p:nvPicPr>
-          <p:cNvPr id="3" name="그림 2" descr="원, 다채로움, 스크린샷이(가) 표시된 사진&#10;&#10;자동 생성된 설명">
-            <a:extLst>
-              <a:ext uri="{FF2B5EF4-FFF2-40B4-BE49-F238E27FC236}">
-                <a16:creationId xmlns:a16="http://schemas.microsoft.com/office/drawing/2014/main" id="{AEBFEF28-6C56-498E-F4DF-72D749C5BF4D}"/>
-              </a:ext>
-            </a:extLst>
-          </p:cNvPr>
-          <p:cNvPicPr>
-            <a:picLocks noChangeAspect="1"/>
-          </p:cNvPicPr>
-          <p:nvPr/>
-        </p:nvPicPr>
-        <p:blipFill>
-          <a:blip r:embed="rId4"/>
-          <a:stretch>
-            <a:fillRect/>
-          </a:stretch>
-        </p:blipFill>
-        <p:spPr>
-          <a:xfrm>
-            <a:off x="3306976" y="2652893"/>
-            <a:ext cx="592208" cy="451403"/>
-          </a:xfrm>
-          <a:prstGeom prst="rect">
-            <a:avLst/>
-          </a:prstGeom>
-        </p:spPr>
-      </p:pic>
-      <p:sp>
-        <p:nvSpPr>
-          <p:cNvPr id="8" name="TextBox 7">
-            <a:extLst>
-              <a:ext uri="{FF2B5EF4-FFF2-40B4-BE49-F238E27FC236}">
-                <a16:creationId xmlns:a16="http://schemas.microsoft.com/office/drawing/2014/main" id="{AB7F0373-09C7-845F-DE5C-74AB6ABBDCCA}"/>
-              </a:ext>
-            </a:extLst>
-          </p:cNvPr>
-          <p:cNvSpPr txBox="1"/>
-          <p:nvPr/>
-        </p:nvSpPr>
-        <p:spPr>
-          <a:xfrm>
-            <a:off x="7005792" y="2552639"/>
-            <a:ext cx="3747082" cy="646331"/>
-          </a:xfrm>
-          <a:prstGeom prst="rect">
-            <a:avLst/>
-          </a:prstGeom>
-          <a:noFill/>
-        </p:spPr>
-        <p:txBody>
-          <a:bodyPr rot="0" spcFirstLastPara="0" vertOverflow="overflow" horzOverflow="overflow" vert="horz" wrap="square" lIns="91440" tIns="45720" rIns="91440" bIns="45720" numCol="1" spcCol="0" rtlCol="0" fromWordArt="0" anchor="t" anchorCtr="0" forceAA="0" compatLnSpc="1">
-            <a:prstTxWarp prst="textNoShape">
-              <a:avLst/>
-            </a:prstTxWarp>
-            <a:spAutoFit/>
-          </a:bodyPr>
-          <a:lstStyle/>
-          <a:p>
-            <a:r>
-              <a:rPr lang="ko-KR" altLang="en-US" dirty="0">
-                <a:ea typeface="맑은 고딕"/>
-              </a:rPr>
-              <a:t>일정 시간마다   을 발사합니다</a:t>
-            </a:r>
-          </a:p>
-          <a:p>
-            <a:r>
-              <a:rPr lang="ko-KR" altLang="en-US" dirty="0">
-                <a:ea typeface="맑은 고딕"/>
-              </a:rPr>
-              <a:t>    </a:t>
-            </a:r>
-            <a:r>
-              <a:rPr lang="ko-KR" altLang="en-US" dirty="0" err="1">
-                <a:ea typeface="맑은 고딕"/>
-              </a:rPr>
-              <a:t>에</a:t>
-            </a:r>
-            <a:r>
-              <a:rPr lang="ko-KR" altLang="en-US" dirty="0">
-                <a:ea typeface="맑은 고딕"/>
-              </a:rPr>
-              <a:t> 맞으면 밀려납니다</a:t>
-            </a:r>
-          </a:p>
-        </p:txBody>
-      </p:sp>
-      <p:sp>
-        <p:nvSpPr>
-          <p:cNvPr id="10" name="타원 9">
-            <a:extLst>
-              <a:ext uri="{FF2B5EF4-FFF2-40B4-BE49-F238E27FC236}">
-                <a16:creationId xmlns:a16="http://schemas.microsoft.com/office/drawing/2014/main" id="{E0AE981A-1319-E1B0-C59D-7B9373F7BEFB}"/>
+      <p:sp>
+        <p:nvSpPr>
+          <p:cNvPr id="12" name="사각형: 둥근 모서리 11">
+            <a:extLst>
+              <a:ext uri="{FF2B5EF4-FFF2-40B4-BE49-F238E27FC236}">
+                <a16:creationId xmlns:a16="http://schemas.microsoft.com/office/drawing/2014/main" id="{2B988422-49C7-0492-2CD5-B58A2525C9B0}"/>
               </a:ext>
             </a:extLst>
           </p:cNvPr>
@@ -4092,14 +5118,17 @@
         </p:nvSpPr>
         <p:spPr>
           <a:xfrm>
-            <a:off x="8654639" y="2663503"/>
-            <a:ext cx="230699" cy="230699"/>
-          </a:xfrm>
-          <a:prstGeom prst="ellipse">
+            <a:off x="3474158" y="454797"/>
+            <a:ext cx="5247967" cy="473177"/>
+          </a:xfrm>
+          <a:prstGeom prst="roundRect">
             <a:avLst/>
           </a:prstGeom>
           <a:solidFill>
-            <a:schemeClr val="bg1"/>
+            <a:schemeClr val="tx1">
+              <a:lumMod val="50000"/>
+              <a:lumOff val="50000"/>
+            </a:schemeClr>
           </a:solidFill>
         </p:spPr>
         <p:style>
@@ -4119,20 +5148,535 @@
           </a:fontRef>
         </p:style>
         <p:txBody>
-          <a:bodyPr rtlCol="0" anchor="ctr"/>
+          <a:bodyPr lIns="91440" tIns="45720" rIns="91440" bIns="45720" rtlCol="0" anchor="ctr"/>
           <a:lstStyle/>
           <a:p>
             <a:pPr algn="ctr"/>
-            <a:endParaRPr lang="ko-KR" altLang="en-US"/>
-          </a:p>
-        </p:txBody>
-      </p:sp>
-      <p:sp>
-        <p:nvSpPr>
-          <p:cNvPr id="11" name="타원 10">
-            <a:extLst>
-              <a:ext uri="{FF2B5EF4-FFF2-40B4-BE49-F238E27FC236}">
-                <a16:creationId xmlns:a16="http://schemas.microsoft.com/office/drawing/2014/main" id="{2A8DAB9A-4DDD-DB69-3CED-C0ED24B30AF4}"/>
+            <a:r>
+              <a:rPr lang="ko-KR" altLang="en-US" dirty="0">
+                <a:ea typeface="맑은 고딕"/>
+              </a:rPr>
+              <a:t>스테이지</a:t>
+            </a:r>
+          </a:p>
+        </p:txBody>
+      </p:sp>
+      <p:sp>
+        <p:nvSpPr>
+          <p:cNvPr id="4" name="TextBox 3">
+            <a:extLst>
+              <a:ext uri="{FF2B5EF4-FFF2-40B4-BE49-F238E27FC236}">
+                <a16:creationId xmlns:a16="http://schemas.microsoft.com/office/drawing/2014/main" id="{4ABAFC68-9A09-E2D1-AE25-8708891863E7}"/>
+              </a:ext>
+            </a:extLst>
+          </p:cNvPr>
+          <p:cNvSpPr txBox="1"/>
+          <p:nvPr/>
+        </p:nvSpPr>
+        <p:spPr>
+          <a:xfrm>
+            <a:off x="3333749" y="1673678"/>
+            <a:ext cx="1149804" cy="369332"/>
+          </a:xfrm>
+          <a:prstGeom prst="rect">
+            <a:avLst/>
+          </a:prstGeom>
+          <a:noFill/>
+        </p:spPr>
+        <p:txBody>
+          <a:bodyPr rot="0" spcFirstLastPara="0" vertOverflow="overflow" horzOverflow="overflow" vert="horz" wrap="square" lIns="91440" tIns="45720" rIns="91440" bIns="45720" numCol="1" spcCol="0" rtlCol="0" fromWordArt="0" anchor="t" anchorCtr="0" forceAA="0" compatLnSpc="1">
+            <a:prstTxWarp prst="textNoShape">
+              <a:avLst/>
+            </a:prstTxWarp>
+            <a:spAutoFit/>
+          </a:bodyPr>
+          <a:lstStyle/>
+          <a:p>
+            <a:pPr marL="285750" indent="-285750">
+              <a:buFont typeface="Arial"/>
+              <a:buChar char="•"/>
+            </a:pPr>
+            <a:r>
+              <a:rPr lang="ko-KR" altLang="en-US" dirty="0">
+                <a:ea typeface="맑은 고딕"/>
+              </a:rPr>
+              <a:t>설원</a:t>
+            </a:r>
+          </a:p>
+        </p:txBody>
+      </p:sp>
+      <p:pic>
+        <p:nvPicPr>
+          <p:cNvPr id="6" name="그림 5" descr="스크린샷, 블루, 마조렐 블루, 텍스트이(가) 표시된 사진&#10;&#10;자동 생성된 설명">
+            <a:extLst>
+              <a:ext uri="{FF2B5EF4-FFF2-40B4-BE49-F238E27FC236}">
+                <a16:creationId xmlns:a16="http://schemas.microsoft.com/office/drawing/2014/main" id="{6FA75B05-D076-96FF-8AB9-81B20383D71B}"/>
+              </a:ext>
+            </a:extLst>
+          </p:cNvPr>
+          <p:cNvPicPr>
+            <a:picLocks noChangeAspect="1"/>
+          </p:cNvPicPr>
+          <p:nvPr/>
+        </p:nvPicPr>
+        <p:blipFill>
+          <a:blip r:embed="rId2"/>
+          <a:stretch>
+            <a:fillRect/>
+          </a:stretch>
+        </p:blipFill>
+        <p:spPr>
+          <a:xfrm>
+            <a:off x="2966358" y="2206399"/>
+            <a:ext cx="1877785" cy="2547257"/>
+          </a:xfrm>
+          <a:prstGeom prst="rect">
+            <a:avLst/>
+          </a:prstGeom>
+        </p:spPr>
+      </p:pic>
+      <p:pic>
+        <p:nvPicPr>
+          <p:cNvPr id="7" name="그림 6" descr="스크린샷, 텍스트, 직사각형, 도표이(가) 표시된 사진&#10;&#10;자동 생성된 설명">
+            <a:extLst>
+              <a:ext uri="{FF2B5EF4-FFF2-40B4-BE49-F238E27FC236}">
+                <a16:creationId xmlns:a16="http://schemas.microsoft.com/office/drawing/2014/main" id="{D004DB5A-E119-6A56-1875-8A20295E1020}"/>
+              </a:ext>
+            </a:extLst>
+          </p:cNvPr>
+          <p:cNvPicPr>
+            <a:picLocks noChangeAspect="1"/>
+          </p:cNvPicPr>
+          <p:nvPr/>
+        </p:nvPicPr>
+        <p:blipFill>
+          <a:blip r:embed="rId3"/>
+          <a:stretch>
+            <a:fillRect/>
+          </a:stretch>
+        </p:blipFill>
+        <p:spPr>
+          <a:xfrm>
+            <a:off x="5021035" y="2204357"/>
+            <a:ext cx="1959429" cy="2551340"/>
+          </a:xfrm>
+          <a:prstGeom prst="rect">
+            <a:avLst/>
+          </a:prstGeom>
+        </p:spPr>
+      </p:pic>
+      <p:pic>
+        <p:nvPicPr>
+          <p:cNvPr id="8" name="그림 7" descr="스크린샷, 텍스트이(가) 표시된 사진&#10;&#10;자동 생성된 설명">
+            <a:extLst>
+              <a:ext uri="{FF2B5EF4-FFF2-40B4-BE49-F238E27FC236}">
+                <a16:creationId xmlns:a16="http://schemas.microsoft.com/office/drawing/2014/main" id="{D030693C-7D56-2585-38A0-9308889D6FAC}"/>
+              </a:ext>
+            </a:extLst>
+          </p:cNvPr>
+          <p:cNvPicPr>
+            <a:picLocks noChangeAspect="1"/>
+          </p:cNvPicPr>
+          <p:nvPr/>
+        </p:nvPicPr>
+        <p:blipFill>
+          <a:blip r:embed="rId4"/>
+          <a:stretch>
+            <a:fillRect/>
+          </a:stretch>
+        </p:blipFill>
+        <p:spPr>
+          <a:xfrm>
+            <a:off x="7157358" y="2204357"/>
+            <a:ext cx="1939018" cy="2598965"/>
+          </a:xfrm>
+          <a:prstGeom prst="rect">
+            <a:avLst/>
+          </a:prstGeom>
+        </p:spPr>
+      </p:pic>
+      <p:sp>
+        <p:nvSpPr>
+          <p:cNvPr id="11" name="TextBox 10">
+            <a:extLst>
+              <a:ext uri="{FF2B5EF4-FFF2-40B4-BE49-F238E27FC236}">
+                <a16:creationId xmlns:a16="http://schemas.microsoft.com/office/drawing/2014/main" id="{67B5828F-55B5-F6F7-31F8-7A80A2B3B306}"/>
+              </a:ext>
+            </a:extLst>
+          </p:cNvPr>
+          <p:cNvSpPr txBox="1"/>
+          <p:nvPr/>
+        </p:nvSpPr>
+        <p:spPr>
+          <a:xfrm>
+            <a:off x="5463266" y="1673677"/>
+            <a:ext cx="1149804" cy="369332"/>
+          </a:xfrm>
+          <a:prstGeom prst="rect">
+            <a:avLst/>
+          </a:prstGeom>
+          <a:noFill/>
+        </p:spPr>
+        <p:txBody>
+          <a:bodyPr rot="0" spcFirstLastPara="0" vertOverflow="overflow" horzOverflow="overflow" vert="horz" wrap="square" lIns="91440" tIns="45720" rIns="91440" bIns="45720" numCol="1" spcCol="0" rtlCol="0" fromWordArt="0" anchor="t" anchorCtr="0" forceAA="0" compatLnSpc="1">
+            <a:prstTxWarp prst="textNoShape">
+              <a:avLst/>
+            </a:prstTxWarp>
+            <a:spAutoFit/>
+          </a:bodyPr>
+          <a:lstStyle/>
+          <a:p>
+            <a:pPr marL="285750" indent="-285750">
+              <a:buFont typeface="Arial"/>
+              <a:buChar char="•"/>
+            </a:pPr>
+            <a:r>
+              <a:rPr lang="ko-KR" altLang="en-US" dirty="0">
+                <a:ea typeface="맑은 고딕"/>
+              </a:rPr>
+              <a:t>사막</a:t>
+            </a:r>
+          </a:p>
+        </p:txBody>
+      </p:sp>
+      <p:sp>
+        <p:nvSpPr>
+          <p:cNvPr id="13" name="TextBox 12">
+            <a:extLst>
+              <a:ext uri="{FF2B5EF4-FFF2-40B4-BE49-F238E27FC236}">
+                <a16:creationId xmlns:a16="http://schemas.microsoft.com/office/drawing/2014/main" id="{ECB2001B-5456-B340-CE3F-3EAB6C6128D5}"/>
+              </a:ext>
+            </a:extLst>
+          </p:cNvPr>
+          <p:cNvSpPr txBox="1"/>
+          <p:nvPr/>
+        </p:nvSpPr>
+        <p:spPr>
+          <a:xfrm>
+            <a:off x="7551962" y="1673677"/>
+            <a:ext cx="1149804" cy="369332"/>
+          </a:xfrm>
+          <a:prstGeom prst="rect">
+            <a:avLst/>
+          </a:prstGeom>
+          <a:noFill/>
+        </p:spPr>
+        <p:txBody>
+          <a:bodyPr rot="0" spcFirstLastPara="0" vertOverflow="overflow" horzOverflow="overflow" vert="horz" wrap="square" lIns="91440" tIns="45720" rIns="91440" bIns="45720" numCol="1" spcCol="0" rtlCol="0" fromWordArt="0" anchor="t" anchorCtr="0" forceAA="0" compatLnSpc="1">
+            <a:prstTxWarp prst="textNoShape">
+              <a:avLst/>
+            </a:prstTxWarp>
+            <a:spAutoFit/>
+          </a:bodyPr>
+          <a:lstStyle/>
+          <a:p>
+            <a:pPr marL="285750" indent="-285750">
+              <a:buFont typeface="Arial"/>
+              <a:buChar char="•"/>
+            </a:pPr>
+            <a:r>
+              <a:rPr lang="ko-KR" altLang="en-US" dirty="0">
+                <a:ea typeface="맑은 고딕"/>
+              </a:rPr>
+              <a:t> 숲</a:t>
+            </a:r>
+            <a:endParaRPr lang="ko-KR" dirty="0"/>
+          </a:p>
+        </p:txBody>
+      </p:sp>
+      <p:pic>
+        <p:nvPicPr>
+          <p:cNvPr id="14" name="그림 13" descr="텍스트, 그래픽 디자인, 그래픽, 만화 영화이(가) 표시된 사진&#10;&#10;자동 생성된 설명">
+            <a:extLst>
+              <a:ext uri="{FF2B5EF4-FFF2-40B4-BE49-F238E27FC236}">
+                <a16:creationId xmlns:a16="http://schemas.microsoft.com/office/drawing/2014/main" id="{3D6D2482-CAEE-5BAC-B521-D11EC55F09EE}"/>
+              </a:ext>
+            </a:extLst>
+          </p:cNvPr>
+          <p:cNvPicPr>
+            <a:picLocks noChangeAspect="1"/>
+          </p:cNvPicPr>
+          <p:nvPr/>
+        </p:nvPicPr>
+        <p:blipFill>
+          <a:blip r:embed="rId5"/>
+          <a:stretch>
+            <a:fillRect/>
+          </a:stretch>
+        </p:blipFill>
+        <p:spPr>
+          <a:xfrm>
+            <a:off x="522152" y="2208439"/>
+            <a:ext cx="2112554" cy="2549979"/>
+          </a:xfrm>
+          <a:prstGeom prst="rect">
+            <a:avLst/>
+          </a:prstGeom>
+        </p:spPr>
+      </p:pic>
+      <p:pic>
+        <p:nvPicPr>
+          <p:cNvPr id="16" name="그림 15" descr="클립아트, 만화 영화, 이모티콘, 스마일리이(가) 표시된 사진&#10;&#10;자동 생성된 설명">
+            <a:extLst>
+              <a:ext uri="{FF2B5EF4-FFF2-40B4-BE49-F238E27FC236}">
+                <a16:creationId xmlns:a16="http://schemas.microsoft.com/office/drawing/2014/main" id="{BB68C190-8927-1E83-ED60-1D1E69D92AAF}"/>
+              </a:ext>
+            </a:extLst>
+          </p:cNvPr>
+          <p:cNvPicPr>
+            <a:picLocks noChangeAspect="1"/>
+          </p:cNvPicPr>
+          <p:nvPr/>
+        </p:nvPicPr>
+        <p:blipFill>
+          <a:blip r:embed="rId6"/>
+          <a:stretch>
+            <a:fillRect/>
+          </a:stretch>
+        </p:blipFill>
+        <p:spPr>
+          <a:xfrm>
+            <a:off x="9409339" y="2202317"/>
+            <a:ext cx="2204358" cy="2603047"/>
+          </a:xfrm>
+          <a:prstGeom prst="rect">
+            <a:avLst/>
+          </a:prstGeom>
+        </p:spPr>
+      </p:pic>
+      <p:sp>
+        <p:nvSpPr>
+          <p:cNvPr id="17" name="TextBox 16">
+            <a:extLst>
+              <a:ext uri="{FF2B5EF4-FFF2-40B4-BE49-F238E27FC236}">
+                <a16:creationId xmlns:a16="http://schemas.microsoft.com/office/drawing/2014/main" id="{C9D97215-FAEA-068E-5CD1-FE68071760B0}"/>
+              </a:ext>
+            </a:extLst>
+          </p:cNvPr>
+          <p:cNvSpPr txBox="1"/>
+          <p:nvPr/>
+        </p:nvSpPr>
+        <p:spPr>
+          <a:xfrm>
+            <a:off x="938889" y="1673676"/>
+            <a:ext cx="1272268" cy="369332"/>
+          </a:xfrm>
+          <a:prstGeom prst="rect">
+            <a:avLst/>
+          </a:prstGeom>
+          <a:noFill/>
+        </p:spPr>
+        <p:txBody>
+          <a:bodyPr rot="0" spcFirstLastPara="0" vertOverflow="overflow" horzOverflow="overflow" vert="horz" wrap="square" lIns="91440" tIns="45720" rIns="91440" bIns="45720" numCol="1" spcCol="0" rtlCol="0" fromWordArt="0" anchor="t" anchorCtr="0" forceAA="0" compatLnSpc="1">
+            <a:prstTxWarp prst="textNoShape">
+              <a:avLst/>
+            </a:prstTxWarp>
+            <a:spAutoFit/>
+          </a:bodyPr>
+          <a:lstStyle/>
+          <a:p>
+            <a:pPr marL="285750" indent="-285750">
+              <a:buFont typeface="Arial"/>
+              <a:buChar char="•"/>
+            </a:pPr>
+            <a:r>
+              <a:rPr lang="ko-KR" altLang="en-US" dirty="0">
+                <a:ea typeface="맑은 고딕"/>
+              </a:rPr>
+              <a:t>타이틀</a:t>
+            </a:r>
+            <a:endParaRPr lang="ko-KR"/>
+          </a:p>
+        </p:txBody>
+      </p:sp>
+      <p:sp>
+        <p:nvSpPr>
+          <p:cNvPr id="18" name="TextBox 17">
+            <a:extLst>
+              <a:ext uri="{FF2B5EF4-FFF2-40B4-BE49-F238E27FC236}">
+                <a16:creationId xmlns:a16="http://schemas.microsoft.com/office/drawing/2014/main" id="{965553B4-6656-BC72-F7C5-A457012DFA8C}"/>
+              </a:ext>
+            </a:extLst>
+          </p:cNvPr>
+          <p:cNvSpPr txBox="1"/>
+          <p:nvPr/>
+        </p:nvSpPr>
+        <p:spPr>
+          <a:xfrm>
+            <a:off x="9940016" y="1673677"/>
+            <a:ext cx="1149804" cy="369332"/>
+          </a:xfrm>
+          <a:prstGeom prst="rect">
+            <a:avLst/>
+          </a:prstGeom>
+          <a:noFill/>
+        </p:spPr>
+        <p:txBody>
+          <a:bodyPr rot="0" spcFirstLastPara="0" vertOverflow="overflow" horzOverflow="overflow" vert="horz" wrap="square" lIns="91440" tIns="45720" rIns="91440" bIns="45720" numCol="1" spcCol="0" rtlCol="0" fromWordArt="0" anchor="t" anchorCtr="0" forceAA="0" compatLnSpc="1">
+            <a:prstTxWarp prst="textNoShape">
+              <a:avLst/>
+            </a:prstTxWarp>
+            <a:spAutoFit/>
+          </a:bodyPr>
+          <a:lstStyle/>
+          <a:p>
+            <a:pPr marL="285750" indent="-285750">
+              <a:buFont typeface="Arial"/>
+              <a:buChar char="•"/>
+            </a:pPr>
+            <a:r>
+              <a:rPr lang="ko-KR" altLang="en-US" dirty="0">
+                <a:ea typeface="맑은 고딕"/>
+              </a:rPr>
+              <a:t>엔딩</a:t>
+            </a:r>
+          </a:p>
+        </p:txBody>
+      </p:sp>
+      <p:sp>
+        <p:nvSpPr>
+          <p:cNvPr id="19" name="TextBox 18">
+            <a:extLst>
+              <a:ext uri="{FF2B5EF4-FFF2-40B4-BE49-F238E27FC236}">
+                <a16:creationId xmlns:a16="http://schemas.microsoft.com/office/drawing/2014/main" id="{145552A5-C90C-943E-97B7-A712291DA9F0}"/>
+              </a:ext>
+            </a:extLst>
+          </p:cNvPr>
+          <p:cNvSpPr txBox="1"/>
+          <p:nvPr/>
+        </p:nvSpPr>
+        <p:spPr>
+          <a:xfrm>
+            <a:off x="796013" y="5245550"/>
+            <a:ext cx="5245553" cy="369332"/>
+          </a:xfrm>
+          <a:prstGeom prst="rect">
+            <a:avLst/>
+          </a:prstGeom>
+          <a:noFill/>
+        </p:spPr>
+        <p:txBody>
+          <a:bodyPr rot="0" spcFirstLastPara="0" vertOverflow="overflow" horzOverflow="overflow" vert="horz" wrap="square" lIns="91440" tIns="45720" rIns="91440" bIns="45720" numCol="1" spcCol="0" rtlCol="0" fromWordArt="0" anchor="t" anchorCtr="0" forceAA="0" compatLnSpc="1">
+            <a:prstTxWarp prst="textNoShape">
+              <a:avLst/>
+            </a:prstTxWarp>
+            <a:spAutoFit/>
+          </a:bodyPr>
+          <a:lstStyle/>
+          <a:p>
+            <a:pPr marL="285750" indent="-285750">
+              <a:buFont typeface="Arial"/>
+              <a:buChar char="•"/>
+            </a:pPr>
+            <a:r>
+              <a:rPr lang="ko-KR" altLang="en-US" dirty="0">
+                <a:ea typeface="맑은 고딕"/>
+              </a:rPr>
+              <a:t>3개 </a:t>
+            </a:r>
+            <a:r>
+              <a:rPr lang="ko-KR" altLang="en-US" dirty="0" err="1">
+                <a:ea typeface="맑은 고딕"/>
+              </a:rPr>
+              <a:t>플레이어블</a:t>
+            </a:r>
+            <a:r>
+              <a:rPr lang="ko-KR" altLang="en-US" dirty="0">
+                <a:ea typeface="맑은 고딕"/>
+              </a:rPr>
+              <a:t> 스테이지 + 타이틀, 엔딩 화면</a:t>
+            </a:r>
+          </a:p>
+        </p:txBody>
+      </p:sp>
+      <p:sp>
+        <p:nvSpPr>
+          <p:cNvPr id="21" name="TextBox 20">
+            <a:extLst>
+              <a:ext uri="{FF2B5EF4-FFF2-40B4-BE49-F238E27FC236}">
+                <a16:creationId xmlns:a16="http://schemas.microsoft.com/office/drawing/2014/main" id="{98E2FC62-F79E-CA35-0B92-61EA86DB3FBC}"/>
+              </a:ext>
+            </a:extLst>
+          </p:cNvPr>
+          <p:cNvSpPr txBox="1"/>
+          <p:nvPr/>
+        </p:nvSpPr>
+        <p:spPr>
+          <a:xfrm>
+            <a:off x="796013" y="5776229"/>
+            <a:ext cx="5245553" cy="369332"/>
+          </a:xfrm>
+          <a:prstGeom prst="rect">
+            <a:avLst/>
+          </a:prstGeom>
+          <a:noFill/>
+        </p:spPr>
+        <p:txBody>
+          <a:bodyPr rot="0" spcFirstLastPara="0" vertOverflow="overflow" horzOverflow="overflow" vert="horz" wrap="square" lIns="91440" tIns="45720" rIns="91440" bIns="45720" numCol="1" spcCol="0" rtlCol="0" fromWordArt="0" anchor="t" anchorCtr="0" forceAA="0" compatLnSpc="1">
+            <a:prstTxWarp prst="textNoShape">
+              <a:avLst/>
+            </a:prstTxWarp>
+            <a:spAutoFit/>
+          </a:bodyPr>
+          <a:lstStyle/>
+          <a:p>
+            <a:pPr marL="285750" indent="-285750">
+              <a:buFont typeface="Arial"/>
+              <a:buChar char="•"/>
+            </a:pPr>
+            <a:r>
+              <a:rPr lang="ko-KR" altLang="en-US" dirty="0">
+                <a:ea typeface="맑은 고딕"/>
+              </a:rPr>
+              <a:t>각 스테이지 마지막에는 포탈이 있다. </a:t>
+            </a:r>
+          </a:p>
+        </p:txBody>
+      </p:sp>
+    </p:spTree>
+    <p:extLst>
+      <p:ext uri="{BB962C8B-B14F-4D97-AF65-F5344CB8AC3E}">
+        <p14:creationId xmlns:p14="http://schemas.microsoft.com/office/powerpoint/2010/main" val="2439177890"/>
+      </p:ext>
+    </p:extLst>
+  </p:cSld>
+  <p:clrMapOvr>
+    <a:masterClrMapping/>
+  </p:clrMapOvr>
+</p:sld>
+</file>
+
+<file path=ppt/slides/slide4.xml><?xml version="1.0" encoding="utf-8"?>
+<p:sld xmlns:a="http://schemas.openxmlformats.org/drawingml/2006/main" xmlns:r="http://schemas.openxmlformats.org/officeDocument/2006/relationships" xmlns:p="http://schemas.openxmlformats.org/presentationml/2006/main">
+  <p:cSld>
+    <p:bg>
+      <p:bgPr>
+        <a:solidFill>
+          <a:srgbClr val="F5BA92"/>
+        </a:solidFill>
+        <a:effectLst/>
+      </p:bgPr>
+    </p:bg>
+    <p:spTree>
+      <p:nvGrpSpPr>
+        <p:cNvPr id="1" name=""/>
+        <p:cNvGrpSpPr/>
+        <p:nvPr/>
+      </p:nvGrpSpPr>
+      <p:grpSpPr>
+        <a:xfrm>
+          <a:off x="0" y="0"/>
+          <a:ext cx="0" cy="0"/>
+          <a:chOff x="0" y="0"/>
+          <a:chExt cx="0" cy="0"/>
+        </a:xfrm>
+      </p:grpSpPr>
+      <p:sp>
+        <p:nvSpPr>
+          <p:cNvPr id="60" name="사각형: 둥근 모서리 59">
+            <a:extLst>
+              <a:ext uri="{FF2B5EF4-FFF2-40B4-BE49-F238E27FC236}">
+                <a16:creationId xmlns:a16="http://schemas.microsoft.com/office/drawing/2014/main" id="{5BDDFD2C-F2DD-4426-B9BE-488E8343A1CE}"/>
               </a:ext>
             </a:extLst>
           </p:cNvPr>
@@ -4141,10 +5685,10 @@
         </p:nvSpPr>
         <p:spPr>
           <a:xfrm>
-            <a:off x="7130639" y="2922163"/>
-            <a:ext cx="230699" cy="230699"/>
-          </a:xfrm>
-          <a:prstGeom prst="ellipse">
+            <a:off x="510209" y="1289448"/>
+            <a:ext cx="5510893" cy="5432322"/>
+          </a:xfrm>
+          <a:prstGeom prst="roundRect">
             <a:avLst/>
           </a:prstGeom>
           <a:solidFill>
@@ -4176,152 +5720,12 @@
           </a:p>
         </p:txBody>
       </p:sp>
-      <p:pic>
-        <p:nvPicPr>
-          <p:cNvPr id="15" name="그림 14">
-            <a:extLst>
-              <a:ext uri="{FF2B5EF4-FFF2-40B4-BE49-F238E27FC236}">
-                <a16:creationId xmlns:a16="http://schemas.microsoft.com/office/drawing/2014/main" id="{BAD2886D-9C11-A327-E78E-8350CB23B290}"/>
-              </a:ext>
-            </a:extLst>
-          </p:cNvPr>
-          <p:cNvPicPr>
-            <a:picLocks noChangeAspect="1"/>
-          </p:cNvPicPr>
-          <p:nvPr/>
-        </p:nvPicPr>
-        <p:blipFill>
-          <a:blip r:embed="rId5"/>
-          <a:stretch>
-            <a:fillRect/>
-          </a:stretch>
-        </p:blipFill>
-        <p:spPr>
-          <a:xfrm>
-            <a:off x="3347076" y="3609801"/>
-            <a:ext cx="593346" cy="567305"/>
-          </a:xfrm>
-          <a:prstGeom prst="rect">
-            <a:avLst/>
-          </a:prstGeom>
-        </p:spPr>
-      </p:pic>
-      <p:sp>
-        <p:nvSpPr>
-          <p:cNvPr id="16" name="TextBox 15">
-            <a:extLst>
-              <a:ext uri="{FF2B5EF4-FFF2-40B4-BE49-F238E27FC236}">
-                <a16:creationId xmlns:a16="http://schemas.microsoft.com/office/drawing/2014/main" id="{E746E3D2-EF89-6CC1-96BF-F7DBCA585D12}"/>
-              </a:ext>
-            </a:extLst>
-          </p:cNvPr>
-          <p:cNvSpPr txBox="1"/>
-          <p:nvPr/>
-        </p:nvSpPr>
-        <p:spPr>
-          <a:xfrm>
-            <a:off x="7130639" y="3712128"/>
-            <a:ext cx="2838275" cy="369332"/>
-          </a:xfrm>
-          <a:prstGeom prst="rect">
-            <a:avLst/>
-          </a:prstGeom>
-          <a:noFill/>
-        </p:spPr>
-        <p:txBody>
-          <a:bodyPr rot="0" spcFirstLastPara="0" vertOverflow="overflow" horzOverflow="overflow" vert="horz" wrap="square" lIns="91440" tIns="45720" rIns="91440" bIns="45720" numCol="1" spcCol="0" rtlCol="0" fromWordArt="0" anchor="t" anchorCtr="0" forceAA="0" compatLnSpc="1">
-            <a:prstTxWarp prst="textNoShape">
-              <a:avLst/>
-            </a:prstTxWarp>
-            <a:spAutoFit/>
-          </a:bodyPr>
-          <a:lstStyle/>
-          <a:p>
-            <a:r>
-              <a:rPr lang="ko-KR" altLang="en-US" dirty="0">
-                <a:ea typeface="맑은 고딕"/>
-              </a:rPr>
-              <a:t>2단 점프</a:t>
-            </a:r>
-          </a:p>
-        </p:txBody>
-      </p:sp>
-      <p:pic>
-        <p:nvPicPr>
-          <p:cNvPr id="18" name="그림 17" descr="그래픽이(가) 표시된 사진&#10;&#10;자동 생성된 설명">
-            <a:extLst>
-              <a:ext uri="{FF2B5EF4-FFF2-40B4-BE49-F238E27FC236}">
-                <a16:creationId xmlns:a16="http://schemas.microsoft.com/office/drawing/2014/main" id="{81280D51-C696-96D5-E699-42625CE42A60}"/>
-              </a:ext>
-            </a:extLst>
-          </p:cNvPr>
-          <p:cNvPicPr>
-            <a:picLocks noChangeAspect="1"/>
-          </p:cNvPicPr>
-          <p:nvPr/>
-        </p:nvPicPr>
-        <p:blipFill>
-          <a:blip r:embed="rId6"/>
-          <a:stretch>
-            <a:fillRect/>
-          </a:stretch>
-        </p:blipFill>
-        <p:spPr>
-          <a:xfrm>
-            <a:off x="3345047" y="4608266"/>
-            <a:ext cx="588103" cy="581112"/>
-          </a:xfrm>
-          <a:prstGeom prst="rect">
-            <a:avLst/>
-          </a:prstGeom>
-        </p:spPr>
-      </p:pic>
-      <p:sp>
-        <p:nvSpPr>
-          <p:cNvPr id="19" name="TextBox 18">
-            <a:extLst>
-              <a:ext uri="{FF2B5EF4-FFF2-40B4-BE49-F238E27FC236}">
-                <a16:creationId xmlns:a16="http://schemas.microsoft.com/office/drawing/2014/main" id="{847FEEBF-17EC-E455-D704-EABDFA0DC438}"/>
-              </a:ext>
-            </a:extLst>
-          </p:cNvPr>
-          <p:cNvSpPr txBox="1"/>
-          <p:nvPr/>
-        </p:nvSpPr>
-        <p:spPr>
-          <a:xfrm>
-            <a:off x="7130639" y="4711816"/>
-            <a:ext cx="2838275" cy="369332"/>
-          </a:xfrm>
-          <a:prstGeom prst="rect">
-            <a:avLst/>
-          </a:prstGeom>
-          <a:noFill/>
-        </p:spPr>
-        <p:txBody>
-          <a:bodyPr rot="0" spcFirstLastPara="0" vertOverflow="overflow" horzOverflow="overflow" vert="horz" wrap="square" lIns="91440" tIns="45720" rIns="91440" bIns="45720" numCol="1" spcCol="0" rtlCol="0" fromWordArt="0" anchor="t" anchorCtr="0" forceAA="0" compatLnSpc="1">
-            <a:prstTxWarp prst="textNoShape">
-              <a:avLst/>
-            </a:prstTxWarp>
-            <a:spAutoFit/>
-          </a:bodyPr>
-          <a:lstStyle/>
-          <a:p>
-            <a:r>
-              <a:rPr lang="ko-KR" altLang="en-US" dirty="0">
-                <a:ea typeface="맑은 고딕"/>
-              </a:rPr>
-              <a:t>다음 스테이지로 이동</a:t>
-            </a:r>
-          </a:p>
-        </p:txBody>
-      </p:sp>
-      <p:sp>
-        <p:nvSpPr>
-          <p:cNvPr id="14" name="사각형: 둥근 모서리 13">
-            <a:extLst>
-              <a:ext uri="{FF2B5EF4-FFF2-40B4-BE49-F238E27FC236}">
-                <a16:creationId xmlns:a16="http://schemas.microsoft.com/office/drawing/2014/main" id="{1567D7A2-0C13-8A8D-3884-CF3D80B30A68}"/>
+      <p:sp>
+        <p:nvSpPr>
+          <p:cNvPr id="61" name="순서도: 지연 60">
+            <a:extLst>
+              <a:ext uri="{FF2B5EF4-FFF2-40B4-BE49-F238E27FC236}">
+                <a16:creationId xmlns:a16="http://schemas.microsoft.com/office/drawing/2014/main" id="{AE1A952B-8E4E-B274-F2D8-5326BFC90DC1}"/>
               </a:ext>
             </a:extLst>
           </p:cNvPr>
@@ -4329,18 +5733,15 @@
           <p:nvPr/>
         </p:nvSpPr>
         <p:spPr>
-          <a:xfrm>
-            <a:off x="3474158" y="454797"/>
-            <a:ext cx="5247967" cy="473177"/>
-          </a:xfrm>
-          <a:prstGeom prst="roundRect">
+          <a:xfrm rot="16200000">
+            <a:off x="2741838" y="-1108982"/>
+            <a:ext cx="1047751" cy="5517692"/>
+          </a:xfrm>
+          <a:prstGeom prst="flowChartDelay">
             <a:avLst/>
           </a:prstGeom>
           <a:solidFill>
-            <a:schemeClr val="tx1">
-              <a:lumMod val="50000"/>
-              <a:lumOff val="50000"/>
-            </a:schemeClr>
+            <a:srgbClr val="00B0F0"/>
           </a:solidFill>
         </p:spPr>
         <p:style>
@@ -4360,6 +5761,354 @@
           </a:fontRef>
         </p:style>
         <p:txBody>
+          <a:bodyPr rtlCol="0" anchor="ctr"/>
+          <a:lstStyle/>
+          <a:p>
+            <a:pPr algn="ctr"/>
+            <a:endParaRPr lang="ko-KR" altLang="en-US"/>
+          </a:p>
+        </p:txBody>
+      </p:sp>
+      <p:sp>
+        <p:nvSpPr>
+          <p:cNvPr id="4" name="사각형: 둥근 모서리 3">
+            <a:extLst>
+              <a:ext uri="{FF2B5EF4-FFF2-40B4-BE49-F238E27FC236}">
+                <a16:creationId xmlns:a16="http://schemas.microsoft.com/office/drawing/2014/main" id="{B92E60B3-D177-7FAF-F7B5-830700715B5D}"/>
+              </a:ext>
+            </a:extLst>
+          </p:cNvPr>
+          <p:cNvSpPr/>
+          <p:nvPr/>
+        </p:nvSpPr>
+        <p:spPr>
+          <a:xfrm>
+            <a:off x="906873" y="3524581"/>
+            <a:ext cx="2912806" cy="491612"/>
+          </a:xfrm>
+          <a:prstGeom prst="roundRect">
+            <a:avLst/>
+          </a:prstGeom>
+        </p:spPr>
+        <p:style>
+          <a:lnRef idx="0">
+            <a:schemeClr val="accent4"/>
+          </a:lnRef>
+          <a:fillRef idx="3">
+            <a:schemeClr val="accent4"/>
+          </a:fillRef>
+          <a:effectRef idx="3">
+            <a:schemeClr val="accent4"/>
+          </a:effectRef>
+          <a:fontRef idx="minor">
+            <a:schemeClr val="lt1"/>
+          </a:fontRef>
+        </p:style>
+        <p:txBody>
+          <a:bodyPr rtlCol="0" anchor="ctr"/>
+          <a:lstStyle/>
+          <a:p>
+            <a:pPr algn="ctr"/>
+            <a:r>
+              <a:rPr lang="ko-KR" altLang="en-US" b="1" dirty="0">
+                <a:ea typeface="맑은 고딕"/>
+              </a:rPr>
+              <a:t>SPACE BAR</a:t>
+            </a:r>
+          </a:p>
+        </p:txBody>
+      </p:sp>
+      <p:sp>
+        <p:nvSpPr>
+          <p:cNvPr id="5" name="사각형: 둥근 모서리 4">
+            <a:extLst>
+              <a:ext uri="{FF2B5EF4-FFF2-40B4-BE49-F238E27FC236}">
+                <a16:creationId xmlns:a16="http://schemas.microsoft.com/office/drawing/2014/main" id="{B1DE070F-A723-35E2-5076-B11CD96B76FD}"/>
+              </a:ext>
+            </a:extLst>
+          </p:cNvPr>
+          <p:cNvSpPr/>
+          <p:nvPr/>
+        </p:nvSpPr>
+        <p:spPr>
+          <a:xfrm>
+            <a:off x="2512037" y="2683319"/>
+            <a:ext cx="583790" cy="491612"/>
+          </a:xfrm>
+          <a:prstGeom prst="roundRect">
+            <a:avLst/>
+          </a:prstGeom>
+        </p:spPr>
+        <p:style>
+          <a:lnRef idx="0">
+            <a:schemeClr val="accent4"/>
+          </a:lnRef>
+          <a:fillRef idx="3">
+            <a:schemeClr val="accent4"/>
+          </a:fillRef>
+          <a:effectRef idx="3">
+            <a:schemeClr val="accent4"/>
+          </a:effectRef>
+          <a:fontRef idx="minor">
+            <a:schemeClr val="lt1"/>
+          </a:fontRef>
+        </p:style>
+        <p:txBody>
+          <a:bodyPr lIns="91440" tIns="45720" rIns="91440" bIns="45720" rtlCol="0" anchor="ctr"/>
+          <a:lstStyle/>
+          <a:p>
+            <a:pPr algn="ctr"/>
+            <a:endParaRPr lang="ko-KR" altLang="en-US">
+              <a:ea typeface="맑은 고딕"/>
+            </a:endParaRPr>
+          </a:p>
+        </p:txBody>
+      </p:sp>
+      <p:sp>
+        <p:nvSpPr>
+          <p:cNvPr id="7" name="화살표: 왼쪽 6">
+            <a:extLst>
+              <a:ext uri="{FF2B5EF4-FFF2-40B4-BE49-F238E27FC236}">
+                <a16:creationId xmlns:a16="http://schemas.microsoft.com/office/drawing/2014/main" id="{FEAACBE5-903D-56B1-9672-CE4C442AEC0D}"/>
+              </a:ext>
+            </a:extLst>
+          </p:cNvPr>
+          <p:cNvSpPr/>
+          <p:nvPr/>
+        </p:nvSpPr>
+        <p:spPr>
+          <a:xfrm>
+            <a:off x="2629644" y="2770028"/>
+            <a:ext cx="356419" cy="307258"/>
+          </a:xfrm>
+          <a:prstGeom prst="leftArrow">
+            <a:avLst/>
+          </a:prstGeom>
+          <a:solidFill>
+            <a:schemeClr val="bg1"/>
+          </a:solidFill>
+        </p:spPr>
+        <p:style>
+          <a:lnRef idx="2">
+            <a:schemeClr val="accent1">
+              <a:shade val="15000"/>
+            </a:schemeClr>
+          </a:lnRef>
+          <a:fillRef idx="1">
+            <a:schemeClr val="accent1"/>
+          </a:fillRef>
+          <a:effectRef idx="0">
+            <a:schemeClr val="accent1"/>
+          </a:effectRef>
+          <a:fontRef idx="minor">
+            <a:schemeClr val="lt1"/>
+          </a:fontRef>
+        </p:style>
+        <p:txBody>
+          <a:bodyPr rtlCol="0" anchor="ctr"/>
+          <a:lstStyle/>
+          <a:p>
+            <a:pPr algn="ctr"/>
+            <a:endParaRPr lang="ko-KR" altLang="en-US"/>
+          </a:p>
+        </p:txBody>
+      </p:sp>
+      <p:sp>
+        <p:nvSpPr>
+          <p:cNvPr id="8" name="사각형: 둥근 모서리 7">
+            <a:extLst>
+              <a:ext uri="{FF2B5EF4-FFF2-40B4-BE49-F238E27FC236}">
+                <a16:creationId xmlns:a16="http://schemas.microsoft.com/office/drawing/2014/main" id="{58DF7B45-9977-9D2D-C093-E3D98DD08275}"/>
+              </a:ext>
+            </a:extLst>
+          </p:cNvPr>
+          <p:cNvSpPr/>
+          <p:nvPr/>
+        </p:nvSpPr>
+        <p:spPr>
+          <a:xfrm rot="10800000">
+            <a:off x="3234008" y="2676328"/>
+            <a:ext cx="583790" cy="491612"/>
+          </a:xfrm>
+          <a:prstGeom prst="roundRect">
+            <a:avLst/>
+          </a:prstGeom>
+        </p:spPr>
+        <p:style>
+          <a:lnRef idx="0">
+            <a:schemeClr val="accent4"/>
+          </a:lnRef>
+          <a:fillRef idx="3">
+            <a:schemeClr val="accent4"/>
+          </a:fillRef>
+          <a:effectRef idx="3">
+            <a:schemeClr val="accent4"/>
+          </a:effectRef>
+          <a:fontRef idx="minor">
+            <a:schemeClr val="lt1"/>
+          </a:fontRef>
+        </p:style>
+        <p:txBody>
+          <a:bodyPr lIns="91440" tIns="45720" rIns="91440" bIns="45720" rtlCol="0" anchor="ctr"/>
+          <a:lstStyle/>
+          <a:p>
+            <a:pPr algn="ctr"/>
+            <a:endParaRPr lang="ko-KR" altLang="en-US">
+              <a:ea typeface="맑은 고딕"/>
+            </a:endParaRPr>
+          </a:p>
+        </p:txBody>
+      </p:sp>
+      <p:sp>
+        <p:nvSpPr>
+          <p:cNvPr id="9" name="화살표: 왼쪽 8">
+            <a:extLst>
+              <a:ext uri="{FF2B5EF4-FFF2-40B4-BE49-F238E27FC236}">
+                <a16:creationId xmlns:a16="http://schemas.microsoft.com/office/drawing/2014/main" id="{04F6F813-DB2F-00EB-BEB5-D85C4561D2F9}"/>
+              </a:ext>
+            </a:extLst>
+          </p:cNvPr>
+          <p:cNvSpPr/>
+          <p:nvPr/>
+        </p:nvSpPr>
+        <p:spPr>
+          <a:xfrm rot="10800000">
+            <a:off x="3349077" y="2770028"/>
+            <a:ext cx="356419" cy="307258"/>
+          </a:xfrm>
+          <a:prstGeom prst="leftArrow">
+            <a:avLst/>
+          </a:prstGeom>
+          <a:solidFill>
+            <a:schemeClr val="bg1"/>
+          </a:solidFill>
+        </p:spPr>
+        <p:style>
+          <a:lnRef idx="2">
+            <a:schemeClr val="accent1">
+              <a:shade val="15000"/>
+            </a:schemeClr>
+          </a:lnRef>
+          <a:fillRef idx="1">
+            <a:schemeClr val="accent1"/>
+          </a:fillRef>
+          <a:effectRef idx="0">
+            <a:schemeClr val="accent1"/>
+          </a:effectRef>
+          <a:fontRef idx="minor">
+            <a:schemeClr val="lt1"/>
+          </a:fontRef>
+        </p:style>
+        <p:txBody>
+          <a:bodyPr rtlCol="0" anchor="ctr"/>
+          <a:lstStyle/>
+          <a:p>
+            <a:pPr algn="ctr"/>
+            <a:endParaRPr lang="ko-KR" altLang="en-US"/>
+          </a:p>
+        </p:txBody>
+      </p:sp>
+      <p:sp>
+        <p:nvSpPr>
+          <p:cNvPr id="10" name="TextBox 9">
+            <a:extLst>
+              <a:ext uri="{FF2B5EF4-FFF2-40B4-BE49-F238E27FC236}">
+                <a16:creationId xmlns:a16="http://schemas.microsoft.com/office/drawing/2014/main" id="{34A7DE8D-8DE1-AE87-807A-37F6DD0D07FF}"/>
+              </a:ext>
+            </a:extLst>
+          </p:cNvPr>
+          <p:cNvSpPr txBox="1"/>
+          <p:nvPr/>
+        </p:nvSpPr>
+        <p:spPr>
+          <a:xfrm>
+            <a:off x="3991297" y="3445694"/>
+            <a:ext cx="2049561" cy="646331"/>
+          </a:xfrm>
+          <a:prstGeom prst="rect">
+            <a:avLst/>
+          </a:prstGeom>
+          <a:noFill/>
+        </p:spPr>
+        <p:txBody>
+          <a:bodyPr rot="0" spcFirstLastPara="0" vertOverflow="overflow" horzOverflow="overflow" vert="horz" wrap="square" lIns="91440" tIns="45720" rIns="91440" bIns="45720" numCol="1" spcCol="0" rtlCol="0" fromWordArt="0" anchor="t" anchorCtr="0" forceAA="0" compatLnSpc="1">
+            <a:prstTxWarp prst="textNoShape">
+              <a:avLst/>
+            </a:prstTxWarp>
+            <a:spAutoFit/>
+          </a:bodyPr>
+          <a:lstStyle/>
+          <a:p>
+            <a:r>
+              <a:rPr lang="ko-KR" altLang="en-US" dirty="0">
+                <a:latin typeface="ADLaM Display"/>
+                <a:ea typeface="맑은 고딕"/>
+                <a:cs typeface="ADLaM Display"/>
+              </a:rPr>
+              <a:t>점프 </a:t>
+            </a:r>
+            <a:endParaRPr lang="ko-KR" altLang="en-US" dirty="0">
+              <a:latin typeface="ADLaM Display"/>
+              <a:ea typeface="맑은 고딕" panose="020B0503020000020004" pitchFamily="34" charset="-127"/>
+              <a:cs typeface="ADLaM Display"/>
+            </a:endParaRPr>
+          </a:p>
+          <a:p>
+            <a:r>
+              <a:rPr lang="ko-KR" altLang="en-US" dirty="0">
+                <a:latin typeface="ADLaM Display"/>
+                <a:ea typeface="맑은 고딕"/>
+                <a:cs typeface="ADLaM Display"/>
+              </a:rPr>
+              <a:t>길게 누르면 차지</a:t>
+            </a:r>
+          </a:p>
+        </p:txBody>
+      </p:sp>
+      <p:sp>
+        <p:nvSpPr>
+          <p:cNvPr id="12" name="사각형: 둥근 모서리 11">
+            <a:extLst>
+              <a:ext uri="{FF2B5EF4-FFF2-40B4-BE49-F238E27FC236}">
+                <a16:creationId xmlns:a16="http://schemas.microsoft.com/office/drawing/2014/main" id="{2B988422-49C7-0492-2CD5-B58A2525C9B0}"/>
+              </a:ext>
+            </a:extLst>
+          </p:cNvPr>
+          <p:cNvSpPr/>
+          <p:nvPr/>
+        </p:nvSpPr>
+        <p:spPr>
+          <a:xfrm>
+            <a:off x="3474158" y="454797"/>
+            <a:ext cx="5247967" cy="473177"/>
+          </a:xfrm>
+          <a:prstGeom prst="roundRect">
+            <a:avLst/>
+          </a:prstGeom>
+          <a:solidFill>
+            <a:schemeClr val="tx1">
+              <a:lumMod val="50000"/>
+              <a:lumOff val="50000"/>
+            </a:schemeClr>
+          </a:solidFill>
+        </p:spPr>
+        <p:style>
+          <a:lnRef idx="2">
+            <a:schemeClr val="accent1">
+              <a:shade val="15000"/>
+            </a:schemeClr>
+          </a:lnRef>
+          <a:fillRef idx="1">
+            <a:schemeClr val="accent1"/>
+          </a:fillRef>
+          <a:effectRef idx="0">
+            <a:schemeClr val="accent1"/>
+          </a:effectRef>
+          <a:fontRef idx="minor">
+            <a:schemeClr val="lt1"/>
+          </a:fontRef>
+        </p:style>
+        <p:txBody>
           <a:bodyPr lIns="91440" tIns="45720" rIns="91440" bIns="45720" rtlCol="0" anchor="ctr"/>
           <a:lstStyle/>
           <a:p>
@@ -4373,10 +6122,882 @@
           </a:p>
         </p:txBody>
       </p:sp>
+      <p:sp>
+        <p:nvSpPr>
+          <p:cNvPr id="16" name="사각형: 둥근 모서리 15">
+            <a:extLst>
+              <a:ext uri="{FF2B5EF4-FFF2-40B4-BE49-F238E27FC236}">
+                <a16:creationId xmlns:a16="http://schemas.microsoft.com/office/drawing/2014/main" id="{CDCBD27A-5F6D-CF28-50BD-25BC6ABB6424}"/>
+              </a:ext>
+            </a:extLst>
+          </p:cNvPr>
+          <p:cNvSpPr/>
+          <p:nvPr/>
+        </p:nvSpPr>
+        <p:spPr>
+          <a:xfrm>
+            <a:off x="3221208" y="4263535"/>
+            <a:ext cx="583790" cy="491612"/>
+          </a:xfrm>
+          <a:prstGeom prst="roundRect">
+            <a:avLst/>
+          </a:prstGeom>
+        </p:spPr>
+        <p:style>
+          <a:lnRef idx="0">
+            <a:schemeClr val="accent4"/>
+          </a:lnRef>
+          <a:fillRef idx="3">
+            <a:schemeClr val="accent4"/>
+          </a:fillRef>
+          <a:effectRef idx="3">
+            <a:schemeClr val="accent4"/>
+          </a:effectRef>
+          <a:fontRef idx="minor">
+            <a:schemeClr val="lt1"/>
+          </a:fontRef>
+        </p:style>
+        <p:txBody>
+          <a:bodyPr lIns="91440" tIns="45720" rIns="91440" bIns="45720" rtlCol="0" anchor="ctr"/>
+          <a:lstStyle/>
+          <a:p>
+            <a:pPr algn="ctr"/>
+            <a:r>
+              <a:rPr lang="ko-KR" altLang="en-US" sz="2400" b="1" dirty="0" err="1">
+                <a:ea typeface="맑은 고딕"/>
+              </a:rPr>
+              <a:t>S</a:t>
+            </a:r>
+            <a:r>
+              <a:rPr lang="ko-KR" altLang="en-US" sz="2400" b="1" dirty="0">
+                <a:ea typeface="맑은 고딕"/>
+              </a:rPr>
+              <a:t>​</a:t>
+            </a:r>
+            <a:endParaRPr lang="ko-KR" dirty="0" err="1"/>
+          </a:p>
+        </p:txBody>
+      </p:sp>
+      <p:sp>
+        <p:nvSpPr>
+          <p:cNvPr id="17" name="사각형: 둥근 모서리 16">
+            <a:extLst>
+              <a:ext uri="{FF2B5EF4-FFF2-40B4-BE49-F238E27FC236}">
+                <a16:creationId xmlns:a16="http://schemas.microsoft.com/office/drawing/2014/main" id="{3E5C04F0-1375-0EF8-0DEA-1F8069A003EB}"/>
+              </a:ext>
+            </a:extLst>
+          </p:cNvPr>
+          <p:cNvSpPr/>
+          <p:nvPr/>
+        </p:nvSpPr>
+        <p:spPr>
+          <a:xfrm>
+            <a:off x="3221207" y="5004653"/>
+            <a:ext cx="583790" cy="491612"/>
+          </a:xfrm>
+          <a:prstGeom prst="roundRect">
+            <a:avLst/>
+          </a:prstGeom>
+        </p:spPr>
+        <p:style>
+          <a:lnRef idx="0">
+            <a:schemeClr val="accent4"/>
+          </a:lnRef>
+          <a:fillRef idx="3">
+            <a:schemeClr val="accent4"/>
+          </a:fillRef>
+          <a:effectRef idx="3">
+            <a:schemeClr val="accent4"/>
+          </a:effectRef>
+          <a:fontRef idx="minor">
+            <a:schemeClr val="lt1"/>
+          </a:fontRef>
+        </p:style>
+        <p:txBody>
+          <a:bodyPr lIns="91440" tIns="45720" rIns="91440" bIns="45720" rtlCol="0" anchor="ctr"/>
+          <a:lstStyle/>
+          <a:p>
+            <a:pPr algn="ctr"/>
+            <a:r>
+              <a:rPr lang="ko-KR" altLang="en-US" sz="2400" b="1" dirty="0" err="1">
+                <a:ea typeface="맑은 고딕"/>
+              </a:rPr>
+              <a:t>Q</a:t>
+            </a:r>
+            <a:endParaRPr lang="ko-KR" dirty="0" err="1"/>
+          </a:p>
+        </p:txBody>
+      </p:sp>
+      <p:sp>
+        <p:nvSpPr>
+          <p:cNvPr id="18" name="TextBox 17">
+            <a:extLst>
+              <a:ext uri="{FF2B5EF4-FFF2-40B4-BE49-F238E27FC236}">
+                <a16:creationId xmlns:a16="http://schemas.microsoft.com/office/drawing/2014/main" id="{B3A4259A-2DE2-FB94-FDAC-33DA821D852B}"/>
+              </a:ext>
+            </a:extLst>
+          </p:cNvPr>
+          <p:cNvSpPr txBox="1"/>
+          <p:nvPr/>
+        </p:nvSpPr>
+        <p:spPr>
+          <a:xfrm>
+            <a:off x="3991295" y="4388756"/>
+            <a:ext cx="1178703" cy="369332"/>
+          </a:xfrm>
+          <a:prstGeom prst="rect">
+            <a:avLst/>
+          </a:prstGeom>
+          <a:noFill/>
+        </p:spPr>
+        <p:txBody>
+          <a:bodyPr rot="0" spcFirstLastPara="0" vertOverflow="overflow" horzOverflow="overflow" vert="horz" wrap="square" lIns="91440" tIns="45720" rIns="91440" bIns="45720" numCol="1" spcCol="0" rtlCol="0" fromWordArt="0" anchor="t" anchorCtr="0" forceAA="0" compatLnSpc="1">
+            <a:prstTxWarp prst="textNoShape">
+              <a:avLst/>
+            </a:prstTxWarp>
+            <a:spAutoFit/>
+          </a:bodyPr>
+          <a:lstStyle/>
+          <a:p>
+            <a:r>
+              <a:rPr lang="ko-KR" altLang="en-US" dirty="0">
+                <a:latin typeface="ADLaM Display"/>
+                <a:ea typeface="맑은 고딕"/>
+                <a:cs typeface="ADLaM Display"/>
+              </a:rPr>
+              <a:t>게임 시작</a:t>
+            </a:r>
+          </a:p>
+        </p:txBody>
+      </p:sp>
+      <p:sp>
+        <p:nvSpPr>
+          <p:cNvPr id="19" name="TextBox 18">
+            <a:extLst>
+              <a:ext uri="{FF2B5EF4-FFF2-40B4-BE49-F238E27FC236}">
+                <a16:creationId xmlns:a16="http://schemas.microsoft.com/office/drawing/2014/main" id="{E7AEF2FB-A5C9-74B3-69D4-79DBBC4D2EAD}"/>
+              </a:ext>
+            </a:extLst>
+          </p:cNvPr>
+          <p:cNvSpPr txBox="1"/>
+          <p:nvPr/>
+        </p:nvSpPr>
+        <p:spPr>
+          <a:xfrm>
+            <a:off x="3991297" y="5068454"/>
+            <a:ext cx="1178703" cy="369332"/>
+          </a:xfrm>
+          <a:prstGeom prst="rect">
+            <a:avLst/>
+          </a:prstGeom>
+          <a:noFill/>
+        </p:spPr>
+        <p:txBody>
+          <a:bodyPr rot="0" spcFirstLastPara="0" vertOverflow="overflow" horzOverflow="overflow" vert="horz" wrap="square" lIns="91440" tIns="45720" rIns="91440" bIns="45720" numCol="1" spcCol="0" rtlCol="0" fromWordArt="0" anchor="t" anchorCtr="0" forceAA="0" compatLnSpc="1">
+            <a:prstTxWarp prst="textNoShape">
+              <a:avLst/>
+            </a:prstTxWarp>
+            <a:spAutoFit/>
+          </a:bodyPr>
+          <a:lstStyle/>
+          <a:p>
+            <a:r>
+              <a:rPr lang="ko-KR" altLang="en-US" dirty="0">
+                <a:latin typeface="ADLaM Display"/>
+                <a:ea typeface="맑은 고딕"/>
+                <a:cs typeface="ADLaM Display"/>
+              </a:rPr>
+              <a:t>게임 종료</a:t>
+            </a:r>
+            <a:endParaRPr lang="ko-KR" altLang="en-US" dirty="0">
+              <a:latin typeface="ADLaM Display"/>
+              <a:cs typeface="ADLaM Display"/>
+            </a:endParaRPr>
+          </a:p>
+        </p:txBody>
+      </p:sp>
+      <p:sp>
+        <p:nvSpPr>
+          <p:cNvPr id="2" name="TextBox 1">
+            <a:extLst>
+              <a:ext uri="{FF2B5EF4-FFF2-40B4-BE49-F238E27FC236}">
+                <a16:creationId xmlns:a16="http://schemas.microsoft.com/office/drawing/2014/main" id="{D6C5348B-61ED-DDC4-B966-D7C6B5136269}"/>
+              </a:ext>
+            </a:extLst>
+          </p:cNvPr>
+          <p:cNvSpPr txBox="1"/>
+          <p:nvPr/>
+        </p:nvSpPr>
+        <p:spPr>
+          <a:xfrm>
+            <a:off x="3991297" y="2770142"/>
+            <a:ext cx="1178704" cy="369332"/>
+          </a:xfrm>
+          <a:prstGeom prst="rect">
+            <a:avLst/>
+          </a:prstGeom>
+          <a:noFill/>
+        </p:spPr>
+        <p:txBody>
+          <a:bodyPr rot="0" spcFirstLastPara="0" vertOverflow="overflow" horzOverflow="overflow" vert="horz" wrap="square" lIns="91440" tIns="45720" rIns="91440" bIns="45720" numCol="1" spcCol="0" rtlCol="0" fromWordArt="0" anchor="t" anchorCtr="0" forceAA="0" compatLnSpc="1">
+            <a:prstTxWarp prst="textNoShape">
+              <a:avLst/>
+            </a:prstTxWarp>
+            <a:spAutoFit/>
+          </a:bodyPr>
+          <a:lstStyle/>
+          <a:p>
+            <a:r>
+              <a:rPr lang="ko-KR" altLang="en-US" dirty="0">
+                <a:latin typeface="ADLaM Display"/>
+                <a:ea typeface="맑은 고딕"/>
+                <a:cs typeface="ADLaM Display"/>
+              </a:rPr>
+              <a:t>이동</a:t>
+            </a:r>
+          </a:p>
+        </p:txBody>
+      </p:sp>
+      <p:sp>
+        <p:nvSpPr>
+          <p:cNvPr id="13" name="TextBox 12">
+            <a:extLst>
+              <a:ext uri="{FF2B5EF4-FFF2-40B4-BE49-F238E27FC236}">
+                <a16:creationId xmlns:a16="http://schemas.microsoft.com/office/drawing/2014/main" id="{9C57F7D2-E603-3400-80D7-61F03E67A436}"/>
+              </a:ext>
+            </a:extLst>
+          </p:cNvPr>
+          <p:cNvSpPr txBox="1"/>
+          <p:nvPr/>
+        </p:nvSpPr>
+        <p:spPr>
+          <a:xfrm>
+            <a:off x="2735030" y="1510390"/>
+            <a:ext cx="972911" cy="369332"/>
+          </a:xfrm>
+          <a:prstGeom prst="rect">
+            <a:avLst/>
+          </a:prstGeom>
+          <a:noFill/>
+        </p:spPr>
+        <p:txBody>
+          <a:bodyPr rot="0" spcFirstLastPara="0" vertOverflow="overflow" horzOverflow="overflow" vert="horz" wrap="square" lIns="91440" tIns="45720" rIns="91440" bIns="45720" numCol="1" spcCol="0" rtlCol="0" fromWordArt="0" anchor="t" anchorCtr="0" forceAA="0" compatLnSpc="1">
+            <a:prstTxWarp prst="textNoShape">
+              <a:avLst/>
+            </a:prstTxWarp>
+            <a:spAutoFit/>
+          </a:bodyPr>
+          <a:lstStyle/>
+          <a:p>
+            <a:r>
+              <a:rPr lang="ko-KR" altLang="en-US" b="1" dirty="0">
+                <a:ea typeface="맑은 고딕"/>
+              </a:rPr>
+              <a:t>조작법</a:t>
+            </a:r>
+            <a:endParaRPr lang="ko-KR" b="1" dirty="0"/>
+          </a:p>
+        </p:txBody>
+      </p:sp>
+      <p:sp>
+        <p:nvSpPr>
+          <p:cNvPr id="21" name="사각형: 둥근 모서리 20">
+            <a:extLst>
+              <a:ext uri="{FF2B5EF4-FFF2-40B4-BE49-F238E27FC236}">
+                <a16:creationId xmlns:a16="http://schemas.microsoft.com/office/drawing/2014/main" id="{003F0D8A-8962-8D76-051E-75AE1876B76D}"/>
+              </a:ext>
+            </a:extLst>
+          </p:cNvPr>
+          <p:cNvSpPr/>
+          <p:nvPr/>
+        </p:nvSpPr>
+        <p:spPr>
+          <a:xfrm>
+            <a:off x="6170781" y="1275841"/>
+            <a:ext cx="5510893" cy="5432322"/>
+          </a:xfrm>
+          <a:prstGeom prst="roundRect">
+            <a:avLst/>
+          </a:prstGeom>
+          <a:solidFill>
+            <a:schemeClr val="bg1"/>
+          </a:solidFill>
+        </p:spPr>
+        <p:style>
+          <a:lnRef idx="2">
+            <a:schemeClr val="accent1">
+              <a:shade val="15000"/>
+            </a:schemeClr>
+          </a:lnRef>
+          <a:fillRef idx="1">
+            <a:schemeClr val="accent1"/>
+          </a:fillRef>
+          <a:effectRef idx="0">
+            <a:schemeClr val="accent1"/>
+          </a:effectRef>
+          <a:fontRef idx="minor">
+            <a:schemeClr val="lt1"/>
+          </a:fontRef>
+        </p:style>
+        <p:txBody>
+          <a:bodyPr rtlCol="0" anchor="ctr"/>
+          <a:lstStyle/>
+          <a:p>
+            <a:pPr algn="ctr"/>
+            <a:endParaRPr lang="ko-KR" altLang="en-US"/>
+          </a:p>
+        </p:txBody>
+      </p:sp>
+      <p:sp>
+        <p:nvSpPr>
+          <p:cNvPr id="33" name="순서도: 지연 32">
+            <a:extLst>
+              <a:ext uri="{FF2B5EF4-FFF2-40B4-BE49-F238E27FC236}">
+                <a16:creationId xmlns:a16="http://schemas.microsoft.com/office/drawing/2014/main" id="{19D0CCC6-CDED-DB28-C15F-319CEE3DF373}"/>
+              </a:ext>
+            </a:extLst>
+          </p:cNvPr>
+          <p:cNvSpPr/>
+          <p:nvPr/>
+        </p:nvSpPr>
+        <p:spPr>
+          <a:xfrm rot="16200000">
+            <a:off x="8402409" y="-1122589"/>
+            <a:ext cx="1047751" cy="5517692"/>
+          </a:xfrm>
+          <a:prstGeom prst="flowChartDelay">
+            <a:avLst/>
+          </a:prstGeom>
+          <a:solidFill>
+            <a:srgbClr val="00B0F0"/>
+          </a:solidFill>
+        </p:spPr>
+        <p:style>
+          <a:lnRef idx="2">
+            <a:schemeClr val="accent1">
+              <a:shade val="15000"/>
+            </a:schemeClr>
+          </a:lnRef>
+          <a:fillRef idx="1">
+            <a:schemeClr val="accent1"/>
+          </a:fillRef>
+          <a:effectRef idx="0">
+            <a:schemeClr val="accent1"/>
+          </a:effectRef>
+          <a:fontRef idx="minor">
+            <a:schemeClr val="lt1"/>
+          </a:fontRef>
+        </p:style>
+        <p:txBody>
+          <a:bodyPr rtlCol="0" anchor="ctr"/>
+          <a:lstStyle/>
+          <a:p>
+            <a:pPr algn="ctr"/>
+            <a:endParaRPr lang="ko-KR" altLang="en-US"/>
+          </a:p>
+        </p:txBody>
+      </p:sp>
+      <p:sp>
+        <p:nvSpPr>
+          <p:cNvPr id="34" name="TextBox 33">
+            <a:extLst>
+              <a:ext uri="{FF2B5EF4-FFF2-40B4-BE49-F238E27FC236}">
+                <a16:creationId xmlns:a16="http://schemas.microsoft.com/office/drawing/2014/main" id="{51F5406D-2A4E-2A30-A948-FE2301E384A3}"/>
+              </a:ext>
+            </a:extLst>
+          </p:cNvPr>
+          <p:cNvSpPr txBox="1"/>
+          <p:nvPr/>
+        </p:nvSpPr>
+        <p:spPr>
+          <a:xfrm>
+            <a:off x="7939762" y="1510391"/>
+            <a:ext cx="1973036" cy="369332"/>
+          </a:xfrm>
+          <a:prstGeom prst="rect">
+            <a:avLst/>
+          </a:prstGeom>
+          <a:noFill/>
+        </p:spPr>
+        <p:txBody>
+          <a:bodyPr rot="0" spcFirstLastPara="0" vertOverflow="overflow" horzOverflow="overflow" vert="horz" wrap="square" lIns="91440" tIns="45720" rIns="91440" bIns="45720" numCol="1" spcCol="0" rtlCol="0" fromWordArt="0" anchor="t" anchorCtr="0" forceAA="0" compatLnSpc="1">
+            <a:prstTxWarp prst="textNoShape">
+              <a:avLst/>
+            </a:prstTxWarp>
+            <a:spAutoFit/>
+          </a:bodyPr>
+          <a:lstStyle/>
+          <a:p>
+            <a:r>
+              <a:rPr lang="ko-KR" altLang="en-US" b="1" dirty="0">
+                <a:ea typeface="맑은 고딕"/>
+              </a:rPr>
+              <a:t>장애물 &amp; 아이템</a:t>
+            </a:r>
+          </a:p>
+        </p:txBody>
+      </p:sp>
+      <p:pic>
+        <p:nvPicPr>
+          <p:cNvPr id="36" name="그림 35">
+            <a:extLst>
+              <a:ext uri="{FF2B5EF4-FFF2-40B4-BE49-F238E27FC236}">
+                <a16:creationId xmlns:a16="http://schemas.microsoft.com/office/drawing/2014/main" id="{8FFE3162-BDE6-A1FE-5F7C-D59D6A14EA42}"/>
+              </a:ext>
+            </a:extLst>
+          </p:cNvPr>
+          <p:cNvPicPr>
+            <a:picLocks noChangeAspect="1"/>
+          </p:cNvPicPr>
+          <p:nvPr/>
+        </p:nvPicPr>
+        <p:blipFill rotWithShape="1">
+          <a:blip r:embed="rId2"/>
+          <a:srcRect l="14963" t="-2835" r="79967" b="-391"/>
+          <a:stretch/>
+        </p:blipFill>
+        <p:spPr>
+          <a:xfrm>
+            <a:off x="6480188" y="2636750"/>
+            <a:ext cx="433393" cy="448006"/>
+          </a:xfrm>
+          <a:prstGeom prst="rect">
+            <a:avLst/>
+          </a:prstGeom>
+        </p:spPr>
+      </p:pic>
+      <p:pic>
+        <p:nvPicPr>
+          <p:cNvPr id="38" name="그림 37" descr="스크린샷, 별이(가) 표시된 사진&#10;&#10;자동 생성된 설명">
+            <a:extLst>
+              <a:ext uri="{FF2B5EF4-FFF2-40B4-BE49-F238E27FC236}">
+                <a16:creationId xmlns:a16="http://schemas.microsoft.com/office/drawing/2014/main" id="{E37DFF31-86C3-BCA8-1BB4-08CCBF9B43D9}"/>
+              </a:ext>
+            </a:extLst>
+          </p:cNvPr>
+          <p:cNvPicPr>
+            <a:picLocks noChangeAspect="1"/>
+          </p:cNvPicPr>
+          <p:nvPr/>
+        </p:nvPicPr>
+        <p:blipFill rotWithShape="1">
+          <a:blip r:embed="rId3"/>
+          <a:srcRect l="38200" t="-679" r="52122" b="89813"/>
+          <a:stretch/>
+        </p:blipFill>
+        <p:spPr>
+          <a:xfrm>
+            <a:off x="7068602" y="2644295"/>
+            <a:ext cx="398248" cy="447129"/>
+          </a:xfrm>
+          <a:prstGeom prst="rect">
+            <a:avLst/>
+          </a:prstGeom>
+        </p:spPr>
+      </p:pic>
+      <p:sp>
+        <p:nvSpPr>
+          <p:cNvPr id="40" name="TextBox 39">
+            <a:extLst>
+              <a:ext uri="{FF2B5EF4-FFF2-40B4-BE49-F238E27FC236}">
+                <a16:creationId xmlns:a16="http://schemas.microsoft.com/office/drawing/2014/main" id="{6A5FAB41-6F64-9F2F-7D62-0DB975E3DE31}"/>
+              </a:ext>
+            </a:extLst>
+          </p:cNvPr>
+          <p:cNvSpPr txBox="1"/>
+          <p:nvPr/>
+        </p:nvSpPr>
+        <p:spPr>
+          <a:xfrm>
+            <a:off x="8378751" y="2637851"/>
+            <a:ext cx="2838275" cy="369332"/>
+          </a:xfrm>
+          <a:prstGeom prst="rect">
+            <a:avLst/>
+          </a:prstGeom>
+          <a:noFill/>
+        </p:spPr>
+        <p:txBody>
+          <a:bodyPr rot="0" spcFirstLastPara="0" vertOverflow="overflow" horzOverflow="overflow" vert="horz" wrap="square" lIns="91440" tIns="45720" rIns="91440" bIns="45720" numCol="1" spcCol="0" rtlCol="0" fromWordArt="0" anchor="t" anchorCtr="0" forceAA="0" compatLnSpc="1">
+            <a:prstTxWarp prst="textNoShape">
+              <a:avLst/>
+            </a:prstTxWarp>
+            <a:spAutoFit/>
+          </a:bodyPr>
+          <a:lstStyle/>
+          <a:p>
+            <a:r>
+              <a:rPr lang="ko-KR" altLang="en-US" dirty="0">
+                <a:ea typeface="맑은 고딕"/>
+              </a:rPr>
+              <a:t>밟으면 미끄러집니다</a:t>
+            </a:r>
+            <a:endParaRPr lang="ko-KR" altLang="en-US" dirty="0"/>
+          </a:p>
+        </p:txBody>
+      </p:sp>
+      <p:pic>
+        <p:nvPicPr>
+          <p:cNvPr id="42" name="그림 41" descr="원, 다채로움, 스크린샷이(가) 표시된 사진&#10;&#10;자동 생성된 설명">
+            <a:extLst>
+              <a:ext uri="{FF2B5EF4-FFF2-40B4-BE49-F238E27FC236}">
+                <a16:creationId xmlns:a16="http://schemas.microsoft.com/office/drawing/2014/main" id="{8B10BD9F-F783-574A-1367-D899F009B27E}"/>
+              </a:ext>
+            </a:extLst>
+          </p:cNvPr>
+          <p:cNvPicPr>
+            <a:picLocks noChangeAspect="1"/>
+          </p:cNvPicPr>
+          <p:nvPr/>
+        </p:nvPicPr>
+        <p:blipFill>
+          <a:blip r:embed="rId4"/>
+          <a:stretch>
+            <a:fillRect/>
+          </a:stretch>
+        </p:blipFill>
+        <p:spPr>
+          <a:xfrm>
+            <a:off x="7477565" y="3612197"/>
+            <a:ext cx="592208" cy="451403"/>
+          </a:xfrm>
+          <a:prstGeom prst="rect">
+            <a:avLst/>
+          </a:prstGeom>
+        </p:spPr>
+      </p:pic>
+      <p:sp>
+        <p:nvSpPr>
+          <p:cNvPr id="44" name="TextBox 43">
+            <a:extLst>
+              <a:ext uri="{FF2B5EF4-FFF2-40B4-BE49-F238E27FC236}">
+                <a16:creationId xmlns:a16="http://schemas.microsoft.com/office/drawing/2014/main" id="{13A4F8A3-F4A6-69FE-B966-AB4799C2FBDB}"/>
+              </a:ext>
+            </a:extLst>
+          </p:cNvPr>
+          <p:cNvSpPr txBox="1"/>
+          <p:nvPr/>
+        </p:nvSpPr>
+        <p:spPr>
+          <a:xfrm>
+            <a:off x="8380114" y="3525549"/>
+            <a:ext cx="3366082" cy="646331"/>
+          </a:xfrm>
+          <a:prstGeom prst="rect">
+            <a:avLst/>
+          </a:prstGeom>
+          <a:noFill/>
+        </p:spPr>
+        <p:txBody>
+          <a:bodyPr rot="0" spcFirstLastPara="0" vertOverflow="overflow" horzOverflow="overflow" vert="horz" wrap="square" lIns="91440" tIns="45720" rIns="91440" bIns="45720" numCol="1" spcCol="0" rtlCol="0" fromWordArt="0" anchor="t" anchorCtr="0" forceAA="0" compatLnSpc="1">
+            <a:prstTxWarp prst="textNoShape">
+              <a:avLst/>
+            </a:prstTxWarp>
+            <a:spAutoFit/>
+          </a:bodyPr>
+          <a:lstStyle/>
+          <a:p>
+            <a:r>
+              <a:rPr lang="ko-KR" altLang="en-US" dirty="0">
+                <a:ea typeface="맑은 고딕"/>
+              </a:rPr>
+              <a:t>일정 시간마다   을 발사합니다</a:t>
+            </a:r>
+          </a:p>
+          <a:p>
+            <a:r>
+              <a:rPr lang="ko-KR" altLang="en-US" dirty="0">
+                <a:ea typeface="맑은 고딕"/>
+              </a:rPr>
+              <a:t>   </a:t>
+            </a:r>
+            <a:r>
+              <a:rPr lang="ko-KR" altLang="en-US" dirty="0" err="1">
+                <a:ea typeface="맑은 고딕"/>
+              </a:rPr>
+              <a:t>에</a:t>
+            </a:r>
+            <a:r>
+              <a:rPr lang="ko-KR" altLang="en-US" dirty="0">
+                <a:ea typeface="맑은 고딕"/>
+              </a:rPr>
+              <a:t> 맞으면 밀려납니다</a:t>
+            </a:r>
+          </a:p>
+        </p:txBody>
+      </p:sp>
+      <p:sp>
+        <p:nvSpPr>
+          <p:cNvPr id="46" name="타원 45">
+            <a:extLst>
+              <a:ext uri="{FF2B5EF4-FFF2-40B4-BE49-F238E27FC236}">
+                <a16:creationId xmlns:a16="http://schemas.microsoft.com/office/drawing/2014/main" id="{448B91F1-BAD7-B336-CD46-1B79F60DED3A}"/>
+              </a:ext>
+            </a:extLst>
+          </p:cNvPr>
+          <p:cNvSpPr/>
+          <p:nvPr/>
+        </p:nvSpPr>
+        <p:spPr>
+          <a:xfrm>
+            <a:off x="9974531" y="3609200"/>
+            <a:ext cx="149057" cy="155860"/>
+          </a:xfrm>
+          <a:prstGeom prst="ellipse">
+            <a:avLst/>
+          </a:prstGeom>
+          <a:solidFill>
+            <a:schemeClr val="bg1"/>
+          </a:solidFill>
+        </p:spPr>
+        <p:style>
+          <a:lnRef idx="2">
+            <a:schemeClr val="accent1">
+              <a:shade val="15000"/>
+            </a:schemeClr>
+          </a:lnRef>
+          <a:fillRef idx="1">
+            <a:schemeClr val="accent1"/>
+          </a:fillRef>
+          <a:effectRef idx="0">
+            <a:schemeClr val="accent1"/>
+          </a:effectRef>
+          <a:fontRef idx="minor">
+            <a:schemeClr val="lt1"/>
+          </a:fontRef>
+        </p:style>
+        <p:txBody>
+          <a:bodyPr rtlCol="0" anchor="ctr"/>
+          <a:lstStyle/>
+          <a:p>
+            <a:pPr algn="ctr"/>
+            <a:endParaRPr lang="ko-KR" altLang="en-US"/>
+          </a:p>
+        </p:txBody>
+      </p:sp>
+      <p:pic>
+        <p:nvPicPr>
+          <p:cNvPr id="50" name="그림 49">
+            <a:extLst>
+              <a:ext uri="{FF2B5EF4-FFF2-40B4-BE49-F238E27FC236}">
+                <a16:creationId xmlns:a16="http://schemas.microsoft.com/office/drawing/2014/main" id="{77CF3B42-C3FE-4F50-746E-9628748F9B18}"/>
+              </a:ext>
+            </a:extLst>
+          </p:cNvPr>
+          <p:cNvPicPr>
+            <a:picLocks noChangeAspect="1"/>
+          </p:cNvPicPr>
+          <p:nvPr/>
+        </p:nvPicPr>
+        <p:blipFill>
+          <a:blip r:embed="rId5"/>
+          <a:stretch>
+            <a:fillRect/>
+          </a:stretch>
+        </p:blipFill>
+        <p:spPr>
+          <a:xfrm>
+            <a:off x="7517665" y="4569105"/>
+            <a:ext cx="593346" cy="567305"/>
+          </a:xfrm>
+          <a:prstGeom prst="rect">
+            <a:avLst/>
+          </a:prstGeom>
+        </p:spPr>
+      </p:pic>
+      <p:sp>
+        <p:nvSpPr>
+          <p:cNvPr id="52" name="TextBox 51">
+            <a:extLst>
+              <a:ext uri="{FF2B5EF4-FFF2-40B4-BE49-F238E27FC236}">
+                <a16:creationId xmlns:a16="http://schemas.microsoft.com/office/drawing/2014/main" id="{8BB0E516-9198-7318-E4D6-9095CE41DD1A}"/>
+              </a:ext>
+            </a:extLst>
+          </p:cNvPr>
+          <p:cNvSpPr txBox="1"/>
+          <p:nvPr/>
+        </p:nvSpPr>
+        <p:spPr>
+          <a:xfrm>
+            <a:off x="8504960" y="4378878"/>
+            <a:ext cx="2838275" cy="369332"/>
+          </a:xfrm>
+          <a:prstGeom prst="rect">
+            <a:avLst/>
+          </a:prstGeom>
+          <a:noFill/>
+        </p:spPr>
+        <p:txBody>
+          <a:bodyPr rot="0" spcFirstLastPara="0" vertOverflow="overflow" horzOverflow="overflow" vert="horz" wrap="square" lIns="91440" tIns="45720" rIns="91440" bIns="45720" numCol="1" spcCol="0" rtlCol="0" fromWordArt="0" anchor="t" anchorCtr="0" forceAA="0" compatLnSpc="1">
+            <a:prstTxWarp prst="textNoShape">
+              <a:avLst/>
+            </a:prstTxWarp>
+            <a:spAutoFit/>
+          </a:bodyPr>
+          <a:lstStyle/>
+          <a:p>
+            <a:r>
+              <a:rPr lang="ko-KR" altLang="en-US" dirty="0">
+                <a:ea typeface="맑은 고딕"/>
+              </a:rPr>
+              <a:t>2단 점프</a:t>
+            </a:r>
+          </a:p>
+        </p:txBody>
+      </p:sp>
+      <p:pic>
+        <p:nvPicPr>
+          <p:cNvPr id="54" name="그림 53" descr="그래픽이(가) 표시된 사진&#10;&#10;자동 생성된 설명">
+            <a:extLst>
+              <a:ext uri="{FF2B5EF4-FFF2-40B4-BE49-F238E27FC236}">
+                <a16:creationId xmlns:a16="http://schemas.microsoft.com/office/drawing/2014/main" id="{D1807DD2-6A0C-B6F8-AE32-B2507B8D70F7}"/>
+              </a:ext>
+            </a:extLst>
+          </p:cNvPr>
+          <p:cNvPicPr>
+            <a:picLocks noChangeAspect="1"/>
+          </p:cNvPicPr>
+          <p:nvPr/>
+        </p:nvPicPr>
+        <p:blipFill>
+          <a:blip r:embed="rId6"/>
+          <a:stretch>
+            <a:fillRect/>
+          </a:stretch>
+        </p:blipFill>
+        <p:spPr>
+          <a:xfrm>
+            <a:off x="7515636" y="5567570"/>
+            <a:ext cx="588103" cy="581112"/>
+          </a:xfrm>
+          <a:prstGeom prst="rect">
+            <a:avLst/>
+          </a:prstGeom>
+        </p:spPr>
+      </p:pic>
+      <p:sp>
+        <p:nvSpPr>
+          <p:cNvPr id="56" name="TextBox 55">
+            <a:extLst>
+              <a:ext uri="{FF2B5EF4-FFF2-40B4-BE49-F238E27FC236}">
+                <a16:creationId xmlns:a16="http://schemas.microsoft.com/office/drawing/2014/main" id="{4B8E7A01-EB8C-5995-45A6-2ADC744DD13C}"/>
+              </a:ext>
+            </a:extLst>
+          </p:cNvPr>
+          <p:cNvSpPr txBox="1"/>
+          <p:nvPr/>
+        </p:nvSpPr>
+        <p:spPr>
+          <a:xfrm>
+            <a:off x="8504960" y="5378566"/>
+            <a:ext cx="2838275" cy="369332"/>
+          </a:xfrm>
+          <a:prstGeom prst="rect">
+            <a:avLst/>
+          </a:prstGeom>
+          <a:noFill/>
+        </p:spPr>
+        <p:txBody>
+          <a:bodyPr rot="0" spcFirstLastPara="0" vertOverflow="overflow" horzOverflow="overflow" vert="horz" wrap="square" lIns="91440" tIns="45720" rIns="91440" bIns="45720" numCol="1" spcCol="0" rtlCol="0" fromWordArt="0" anchor="t" anchorCtr="0" forceAA="0" compatLnSpc="1">
+            <a:prstTxWarp prst="textNoShape">
+              <a:avLst/>
+            </a:prstTxWarp>
+            <a:spAutoFit/>
+          </a:bodyPr>
+          <a:lstStyle/>
+          <a:p>
+            <a:r>
+              <a:rPr lang="ko-KR" altLang="en-US" dirty="0">
+                <a:ea typeface="맑은 고딕"/>
+              </a:rPr>
+              <a:t>다음 스테이지로 이동</a:t>
+            </a:r>
+          </a:p>
+        </p:txBody>
+      </p:sp>
+      <p:pic>
+        <p:nvPicPr>
+          <p:cNvPr id="58" name="그림 57" descr="다채로움, 스크린샷, 디자인이(가) 표시된 사진&#10;&#10;자동 생성된 설명">
+            <a:extLst>
+              <a:ext uri="{FF2B5EF4-FFF2-40B4-BE49-F238E27FC236}">
+                <a16:creationId xmlns:a16="http://schemas.microsoft.com/office/drawing/2014/main" id="{1F490F1F-0132-D58D-6246-82ED3835E7B7}"/>
+              </a:ext>
+            </a:extLst>
+          </p:cNvPr>
+          <p:cNvPicPr>
+            <a:picLocks noChangeAspect="1"/>
+          </p:cNvPicPr>
+          <p:nvPr/>
+        </p:nvPicPr>
+        <p:blipFill>
+          <a:blip r:embed="rId7"/>
+          <a:stretch>
+            <a:fillRect/>
+          </a:stretch>
+        </p:blipFill>
+        <p:spPr>
+          <a:xfrm>
+            <a:off x="7649935" y="2642509"/>
+            <a:ext cx="423182" cy="436790"/>
+          </a:xfrm>
+          <a:prstGeom prst="rect">
+            <a:avLst/>
+          </a:prstGeom>
+        </p:spPr>
+      </p:pic>
+      <p:sp>
+        <p:nvSpPr>
+          <p:cNvPr id="59" name="타원 58">
+            <a:extLst>
+              <a:ext uri="{FF2B5EF4-FFF2-40B4-BE49-F238E27FC236}">
+                <a16:creationId xmlns:a16="http://schemas.microsoft.com/office/drawing/2014/main" id="{F045FB67-49C5-2B34-48B1-3E5D885257ED}"/>
+              </a:ext>
+            </a:extLst>
+          </p:cNvPr>
+          <p:cNvSpPr/>
+          <p:nvPr/>
+        </p:nvSpPr>
+        <p:spPr>
+          <a:xfrm>
+            <a:off x="8504960" y="3901754"/>
+            <a:ext cx="149057" cy="155860"/>
+          </a:xfrm>
+          <a:prstGeom prst="ellipse">
+            <a:avLst/>
+          </a:prstGeom>
+          <a:solidFill>
+            <a:schemeClr val="bg1"/>
+          </a:solidFill>
+        </p:spPr>
+        <p:style>
+          <a:lnRef idx="2">
+            <a:schemeClr val="accent1">
+              <a:shade val="15000"/>
+            </a:schemeClr>
+          </a:lnRef>
+          <a:fillRef idx="1">
+            <a:schemeClr val="accent1"/>
+          </a:fillRef>
+          <a:effectRef idx="0">
+            <a:schemeClr val="accent1"/>
+          </a:effectRef>
+          <a:fontRef idx="minor">
+            <a:schemeClr val="lt1"/>
+          </a:fontRef>
+        </p:style>
+        <p:txBody>
+          <a:bodyPr rtlCol="0" anchor="ctr"/>
+          <a:lstStyle/>
+          <a:p>
+            <a:pPr algn="ctr"/>
+            <a:endParaRPr lang="ko-KR" altLang="en-US"/>
+          </a:p>
+        </p:txBody>
+      </p:sp>
     </p:spTree>
     <p:extLst>
       <p:ext uri="{BB962C8B-B14F-4D97-AF65-F5344CB8AC3E}">
-        <p14:creationId xmlns:p14="http://schemas.microsoft.com/office/powerpoint/2010/main" val="2212827546"/>
+        <p14:creationId xmlns:p14="http://schemas.microsoft.com/office/powerpoint/2010/main" val="3569210928"/>
       </p:ext>
     </p:extLst>
   </p:cSld>
